--- a/documentation/training/c3prv2_director_overview.pptx
+++ b/documentation/training/c3prv2_director_overview.pptx
@@ -151,14 +151,31 @@
 <file path=ppt/commentAuthors.xml><?xml version="1.0" encoding="utf-8"?>
 <p:cmAuthorLst xmlns:a="http://schemas.openxmlformats.org/drawingml/2006/main" xmlns:r="http://schemas.openxmlformats.org/officeDocument/2006/relationships" xmlns:p="http://schemas.openxmlformats.org/presentationml/2006/main">
   <p:cmAuthor id="0" name="JTucker" initials="JT" lastIdx="2" clrIdx="0"/>
+  <p:cmAuthor id="1" name="Patrick McConnell" initials="PM" lastIdx="2" clrIdx="1"/>
 </p:cmAuthorLst>
 </file>
 
 <file path=ppt/comments/comment1.xml><?xml version="1.0" encoding="utf-8"?>
 <p:cmLst xmlns:a="http://schemas.openxmlformats.org/drawingml/2006/main" xmlns:r="http://schemas.openxmlformats.org/officeDocument/2006/relationships" xmlns:p="http://schemas.openxmlformats.org/presentationml/2006/main">
+  <p:cm authorId="1" dt="2007-10-17T16:39:41.640" idx="1">
+    <p:pos x="5362" y="3213"/>
+    <p:text>
+I am not sure that calling out C3D is that useful.
+Not sure if a PI will be a primary user.</p:text>
+  </p:cm>
+</p:cmLst>
+</file>
+
+<file path=ppt/comments/comment2.xml><?xml version="1.0" encoding="utf-8"?>
+<p:cmLst xmlns:a="http://schemas.openxmlformats.org/drawingml/2006/main" xmlns:r="http://schemas.openxmlformats.org/officeDocument/2006/relationships" xmlns:p="http://schemas.openxmlformats.org/presentationml/2006/main">
   <p:cm authorId="0" dt="2006-07-31T19:06:42.062" idx="2">
     <p:pos x="291" y="519"/>
     <p:text>Need to determine how this template might look different for Grid projects. </p:text>
+  </p:cm>
+  <p:cm authorId="1" dt="2007-10-17T16:40:49.984" idx="2">
+    <p:pos x="643" y="3049"/>
+    <p:text>Minimal mispelled
+Maybe say Open source, open APIs, open database?</p:text>
   </p:cm>
 </p:cmLst>
 </file>
@@ -227,6 +244,9 @@
             </a:lvl1pPr>
           </a:lstStyle>
           <a:p>
+            <a:pPr>
+              <a:defRPr/>
+            </a:pPr>
             <a:endParaRPr lang="en-US"/>
           </a:p>
         </p:txBody>
@@ -270,6 +290,9 @@
             </a:lvl1pPr>
           </a:lstStyle>
           <a:p>
+            <a:pPr>
+              <a:defRPr/>
+            </a:pPr>
             <a:endParaRPr lang="en-US"/>
           </a:p>
         </p:txBody>
@@ -313,6 +336,9 @@
             </a:lvl1pPr>
           </a:lstStyle>
           <a:p>
+            <a:pPr>
+              <a:defRPr/>
+            </a:pPr>
             <a:endParaRPr lang="en-US"/>
           </a:p>
         </p:txBody>
@@ -356,9 +382,14 @@
             </a:lvl1pPr>
           </a:lstStyle>
           <a:p>
-            <a:fld id="{3B5F39FE-437A-4834-84FA-194F903330B9}" type="slidenum">
+            <a:pPr>
+              <a:defRPr/>
+            </a:pPr>
+            <a:fld id="{0F547823-11E8-4C6E-970F-EA36AE95AF0B}" type="slidenum">
               <a:rPr lang="en-US"/>
-              <a:pPr/>
+              <a:pPr>
+                <a:defRPr/>
+              </a:pPr>
               <a:t>‹#›</a:t>
             </a:fld>
             <a:endParaRPr lang="en-US"/>
@@ -435,6 +466,9 @@
             </a:lvl1pPr>
           </a:lstStyle>
           <a:p>
+            <a:pPr>
+              <a:defRPr/>
+            </a:pPr>
             <a:endParaRPr lang="en-US"/>
           </a:p>
         </p:txBody>
@@ -478,13 +512,16 @@
             </a:lvl1pPr>
           </a:lstStyle>
           <a:p>
+            <a:pPr>
+              <a:defRPr/>
+            </a:pPr>
             <a:endParaRPr lang="en-US"/>
           </a:p>
         </p:txBody>
       </p:sp>
       <p:sp>
         <p:nvSpPr>
-          <p:cNvPr id="34820" name="Rectangle 4"/>
+          <p:cNvPr id="13316" name="Rectangle 4"/>
           <p:cNvSpPr>
             <a:spLocks noGrp="1" noRot="1" noChangeAspect="1" noChangeArrowheads="1" noTextEdit="1"/>
           </p:cNvSpPr>
@@ -509,7 +546,6 @@
             <a:headEnd/>
             <a:tailEnd/>
           </a:ln>
-          <a:effectLst/>
         </p:spPr>
       </p:sp>
       <p:sp>
@@ -549,35 +585,35 @@
           <a:p>
             <a:pPr lvl="0"/>
             <a:r>
-              <a:rPr lang="en-US" smtClean="0"/>
+              <a:rPr lang="en-US" noProof="0" smtClean="0"/>
               <a:t>Click to edit Master text styles</a:t>
             </a:r>
           </a:p>
           <a:p>
             <a:pPr lvl="1"/>
             <a:r>
-              <a:rPr lang="en-US" smtClean="0"/>
+              <a:rPr lang="en-US" noProof="0" smtClean="0"/>
               <a:t>Second level</a:t>
             </a:r>
           </a:p>
           <a:p>
             <a:pPr lvl="2"/>
             <a:r>
-              <a:rPr lang="en-US" smtClean="0"/>
+              <a:rPr lang="en-US" noProof="0" smtClean="0"/>
               <a:t>Third level</a:t>
             </a:r>
           </a:p>
           <a:p>
             <a:pPr lvl="3"/>
             <a:r>
-              <a:rPr lang="en-US" smtClean="0"/>
+              <a:rPr lang="en-US" noProof="0" smtClean="0"/>
               <a:t>Fourth level</a:t>
             </a:r>
           </a:p>
           <a:p>
             <a:pPr lvl="4"/>
             <a:r>
-              <a:rPr lang="en-US" smtClean="0"/>
+              <a:rPr lang="en-US" noProof="0" smtClean="0"/>
               <a:t>Fifth level</a:t>
             </a:r>
           </a:p>
@@ -622,6 +658,9 @@
             </a:lvl1pPr>
           </a:lstStyle>
           <a:p>
+            <a:pPr>
+              <a:defRPr/>
+            </a:pPr>
             <a:endParaRPr lang="en-US"/>
           </a:p>
         </p:txBody>
@@ -665,9 +704,14 @@
             </a:lvl1pPr>
           </a:lstStyle>
           <a:p>
-            <a:fld id="{8096A910-B643-4644-96E2-B732DB679B48}" type="slidenum">
+            <a:pPr>
+              <a:defRPr/>
+            </a:pPr>
+            <a:fld id="{149FB0BB-A7AD-4C4A-B2B3-ED24614A2EFC}" type="slidenum">
               <a:rPr lang="en-US"/>
-              <a:pPr/>
+              <a:pPr>
+                <a:defRPr/>
+              </a:pPr>
               <a:t>‹#›</a:t>
             </a:fld>
             <a:endParaRPr lang="en-US"/>
@@ -678,7 +722,7 @@
   </p:cSld>
   <p:clrMap bg1="lt1" tx1="dk1" bg2="lt2" tx2="dk2" accent1="accent1" accent2="accent2" accent3="accent3" accent4="accent4" accent5="accent5" accent6="accent6" hlink="hlink" folHlink="folHlink"/>
   <p:notesStyle>
-    <a:lvl1pPr algn="l" rtl="0" fontAlgn="base">
+    <a:lvl1pPr algn="l" rtl="0" eaLnBrk="0" fontAlgn="base" hangingPunct="0">
       <a:spcBef>
         <a:spcPct val="30000"/>
       </a:spcBef>
@@ -694,7 +738,7 @@
         <a:cs typeface="+mn-cs"/>
       </a:defRPr>
     </a:lvl1pPr>
-    <a:lvl2pPr marL="457200" algn="l" rtl="0" fontAlgn="base">
+    <a:lvl2pPr marL="457200" algn="l" rtl="0" eaLnBrk="0" fontAlgn="base" hangingPunct="0">
       <a:spcBef>
         <a:spcPct val="30000"/>
       </a:spcBef>
@@ -710,7 +754,7 @@
         <a:cs typeface="+mn-cs"/>
       </a:defRPr>
     </a:lvl2pPr>
-    <a:lvl3pPr marL="914400" algn="l" rtl="0" fontAlgn="base">
+    <a:lvl3pPr marL="914400" algn="l" rtl="0" eaLnBrk="0" fontAlgn="base" hangingPunct="0">
       <a:spcBef>
         <a:spcPct val="30000"/>
       </a:spcBef>
@@ -726,7 +770,7 @@
         <a:cs typeface="+mn-cs"/>
       </a:defRPr>
     </a:lvl3pPr>
-    <a:lvl4pPr marL="1371600" algn="l" rtl="0" fontAlgn="base">
+    <a:lvl4pPr marL="1371600" algn="l" rtl="0" eaLnBrk="0" fontAlgn="base" hangingPunct="0">
       <a:spcBef>
         <a:spcPct val="30000"/>
       </a:spcBef>
@@ -742,7 +786,7 @@
         <a:cs typeface="+mn-cs"/>
       </a:defRPr>
     </a:lvl4pPr>
-    <a:lvl5pPr marL="1828800" algn="l" rtl="0" fontAlgn="base">
+    <a:lvl5pPr marL="1828800" algn="l" rtl="0" eaLnBrk="0" fontAlgn="base" hangingPunct="0">
       <a:spcBef>
         <a:spcPct val="30000"/>
       </a:spcBef>
@@ -821,7 +865,7 @@
       </p:grpSpPr>
       <p:sp>
         <p:nvSpPr>
-          <p:cNvPr id="7" name="Rectangle 7"/>
+          <p:cNvPr id="16385" name="Rectangle 7"/>
           <p:cNvSpPr>
             <a:spLocks noGrp="1" noChangeArrowheads="1"/>
           </p:cNvSpPr>
@@ -830,24 +874,24 @@
           </p:nvPr>
         </p:nvSpPr>
         <p:spPr>
-          <a:ln/>
+          <a:noFill/>
         </p:spPr>
         <p:txBody>
           <a:bodyPr/>
           <a:lstStyle/>
           <a:p>
-            <a:fld id="{6D439A0D-A546-4273-8294-CA7467283307}" type="slidenum">
-              <a:rPr lang="en-US"/>
+            <a:fld id="{26DCEEE5-CA5A-4625-856F-50994E43A78C}" type="slidenum">
+              <a:rPr lang="en-US" smtClean="0"/>
               <a:pPr/>
               <a:t>1</a:t>
             </a:fld>
-            <a:endParaRPr lang="en-US"/>
+            <a:endParaRPr lang="en-US" smtClean="0"/>
           </a:p>
         </p:txBody>
       </p:sp>
       <p:sp>
         <p:nvSpPr>
-          <p:cNvPr id="229378" name="Rectangle 2"/>
+          <p:cNvPr id="16386" name="Rectangle 2"/>
           <p:cNvSpPr>
             <a:spLocks noGrp="1" noRot="1" noChangeAspect="1" noChangeArrowheads="1" noTextEdit="1"/>
           </p:cNvSpPr>
@@ -865,7 +909,7 @@
       </p:sp>
       <p:sp>
         <p:nvSpPr>
-          <p:cNvPr id="229379" name="Rectangle 3"/>
+          <p:cNvPr id="16387" name="Rectangle 3"/>
           <p:cNvSpPr>
             <a:spLocks noGrp="1" noChangeArrowheads="1"/>
           </p:cNvSpPr>
@@ -878,12 +922,15 @@
             <a:off x="700088" y="4403725"/>
             <a:ext cx="5597525" cy="4171950"/>
           </a:xfrm>
+          <a:noFill/>
+          <a:ln/>
         </p:spPr>
         <p:txBody>
           <a:bodyPr/>
           <a:lstStyle/>
           <a:p>
-            <a:endParaRPr lang="en-US"/>
+            <a:pPr eaLnBrk="1" hangingPunct="1"/>
+            <a:endParaRPr lang="en-US" smtClean="0"/>
           </a:p>
         </p:txBody>
       </p:sp>
@@ -914,69 +961,37 @@
       </p:grpSpPr>
       <p:sp>
         <p:nvSpPr>
-          <p:cNvPr id="7" name="Rectangle 7"/>
+          <p:cNvPr id="25602" name="Rectangle 2"/>
+          <p:cNvSpPr>
+            <a:spLocks noGrp="1" noRot="1" noChangeAspect="1" noChangeArrowheads="1" noTextEdit="1"/>
+          </p:cNvSpPr>
+          <p:nvPr>
+            <p:ph type="sldImg"/>
+          </p:nvPr>
+        </p:nvSpPr>
+        <p:spPr>
+          <a:ln/>
+        </p:spPr>
+      </p:sp>
+      <p:sp>
+        <p:nvSpPr>
+          <p:cNvPr id="25603" name="Rectangle 3"/>
           <p:cNvSpPr>
             <a:spLocks noGrp="1" noChangeArrowheads="1"/>
           </p:cNvSpPr>
           <p:nvPr>
-            <p:ph type="sldNum" sz="quarter" idx="5"/>
+            <p:ph type="body" idx="1"/>
           </p:nvPr>
         </p:nvSpPr>
         <p:spPr>
+          <a:noFill/>
           <a:ln/>
         </p:spPr>
         <p:txBody>
           <a:bodyPr/>
           <a:lstStyle/>
           <a:p>
-            <a:fld id="{E89E67E8-3F70-423D-9CBC-8D3EEBE4D730}" type="slidenum">
-              <a:rPr lang="en-US"/>
-              <a:pPr/>
-              <a:t>3</a:t>
-            </a:fld>
-            <a:endParaRPr lang="en-US"/>
-          </a:p>
-        </p:txBody>
-      </p:sp>
-      <p:sp>
-        <p:nvSpPr>
-          <p:cNvPr id="799746" name="Rectangle 2"/>
-          <p:cNvSpPr>
-            <a:spLocks noGrp="1" noRot="1" noChangeAspect="1" noChangeArrowheads="1" noTextEdit="1"/>
-          </p:cNvSpPr>
-          <p:nvPr>
-            <p:ph type="sldImg"/>
-          </p:nvPr>
-        </p:nvSpPr>
-        <p:spPr>
-          <a:xfrm>
-            <a:off x="1166813" y="682625"/>
-            <a:ext cx="4664075" cy="3497263"/>
-          </a:xfrm>
-          <a:ln/>
-        </p:spPr>
-      </p:sp>
-      <p:sp>
-        <p:nvSpPr>
-          <p:cNvPr id="799747" name="Rectangle 3"/>
-          <p:cNvSpPr>
-            <a:spLocks noGrp="1" noChangeArrowheads="1"/>
-          </p:cNvSpPr>
-          <p:nvPr>
-            <p:ph type="body" idx="1"/>
-          </p:nvPr>
-        </p:nvSpPr>
-        <p:spPr>
-          <a:xfrm>
-            <a:off x="912050" y="4406951"/>
-            <a:ext cx="5173601" cy="4180789"/>
-          </a:xfrm>
-        </p:spPr>
-        <p:txBody>
-          <a:bodyPr/>
-          <a:lstStyle/>
-          <a:p>
-            <a:endParaRPr lang="en-US"/>
+            <a:endParaRPr lang="en-US" smtClean="0"/>
           </a:p>
         </p:txBody>
       </p:sp>
@@ -1007,7 +1022,7 @@
       </p:grpSpPr>
       <p:sp>
         <p:nvSpPr>
-          <p:cNvPr id="7" name="Rectangle 7"/>
+          <p:cNvPr id="19457" name="Rectangle 7"/>
           <p:cNvSpPr>
             <a:spLocks noGrp="1" noChangeArrowheads="1"/>
           </p:cNvSpPr>
@@ -1016,24 +1031,24 @@
           </p:nvPr>
         </p:nvSpPr>
         <p:spPr>
-          <a:ln/>
+          <a:noFill/>
         </p:spPr>
         <p:txBody>
           <a:bodyPr/>
           <a:lstStyle/>
           <a:p>
-            <a:fld id="{E89E67E8-3F70-423D-9CBC-8D3EEBE4D730}" type="slidenum">
-              <a:rPr lang="en-US"/>
+            <a:fld id="{79567933-876E-493A-BB67-AAA0231F5D03}" type="slidenum">
+              <a:rPr lang="en-US" smtClean="0"/>
               <a:pPr/>
-              <a:t>4</a:t>
+              <a:t>3</a:t>
             </a:fld>
-            <a:endParaRPr lang="en-US"/>
+            <a:endParaRPr lang="en-US" smtClean="0"/>
           </a:p>
         </p:txBody>
       </p:sp>
       <p:sp>
         <p:nvSpPr>
-          <p:cNvPr id="799746" name="Rectangle 2"/>
+          <p:cNvPr id="19458" name="Rectangle 2"/>
           <p:cNvSpPr>
             <a:spLocks noGrp="1" noRot="1" noChangeAspect="1" noChangeArrowheads="1" noTextEdit="1"/>
           </p:cNvSpPr>
@@ -1051,7 +1066,7 @@
       </p:sp>
       <p:sp>
         <p:nvSpPr>
-          <p:cNvPr id="799747" name="Rectangle 3"/>
+          <p:cNvPr id="19459" name="Rectangle 3"/>
           <p:cNvSpPr>
             <a:spLocks noGrp="1" noChangeArrowheads="1"/>
           </p:cNvSpPr>
@@ -1061,15 +1076,236 @@
         </p:nvSpPr>
         <p:spPr>
           <a:xfrm>
-            <a:off x="912050" y="4406951"/>
-            <a:ext cx="5173601" cy="4180789"/>
+            <a:off x="912813" y="4406900"/>
+            <a:ext cx="5172075" cy="4181475"/>
           </a:xfrm>
+          <a:noFill/>
+          <a:ln/>
         </p:spPr>
         <p:txBody>
           <a:bodyPr/>
           <a:lstStyle/>
           <a:p>
-            <a:endParaRPr lang="en-US"/>
+            <a:pPr eaLnBrk="1" hangingPunct="1"/>
+            <a:endParaRPr lang="en-US" smtClean="0"/>
+          </a:p>
+        </p:txBody>
+      </p:sp>
+    </p:spTree>
+  </p:cSld>
+  <p:clrMapOvr>
+    <a:masterClrMapping/>
+  </p:clrMapOvr>
+</p:notes>
+</file>
+
+<file path=ppt/notesSlides/notesSlide4.xml><?xml version="1.0" encoding="utf-8"?>
+<p:notes xmlns:a="http://schemas.openxmlformats.org/drawingml/2006/main" xmlns:r="http://schemas.openxmlformats.org/officeDocument/2006/relationships" xmlns:p="http://schemas.openxmlformats.org/presentationml/2006/main">
+  <p:cSld>
+    <p:spTree>
+      <p:nvGrpSpPr>
+        <p:cNvPr id="1" name=""/>
+        <p:cNvGrpSpPr/>
+        <p:nvPr/>
+      </p:nvGrpSpPr>
+      <p:grpSpPr>
+        <a:xfrm>
+          <a:off x="0" y="0"/>
+          <a:ext cx="0" cy="0"/>
+          <a:chOff x="0" y="0"/>
+          <a:chExt cx="0" cy="0"/>
+        </a:xfrm>
+      </p:grpSpPr>
+      <p:sp>
+        <p:nvSpPr>
+          <p:cNvPr id="21505" name="Rectangle 7"/>
+          <p:cNvSpPr>
+            <a:spLocks noGrp="1" noChangeArrowheads="1"/>
+          </p:cNvSpPr>
+          <p:nvPr>
+            <p:ph type="sldNum" sz="quarter" idx="5"/>
+          </p:nvPr>
+        </p:nvSpPr>
+        <p:spPr>
+          <a:noFill/>
+        </p:spPr>
+        <p:txBody>
+          <a:bodyPr/>
+          <a:lstStyle/>
+          <a:p>
+            <a:fld id="{BEBC09BC-CA59-410D-ACDC-17418B83C6C4}" type="slidenum">
+              <a:rPr lang="en-US" smtClean="0"/>
+              <a:pPr/>
+              <a:t>4</a:t>
+            </a:fld>
+            <a:endParaRPr lang="en-US" smtClean="0"/>
+          </a:p>
+        </p:txBody>
+      </p:sp>
+      <p:sp>
+        <p:nvSpPr>
+          <p:cNvPr id="21506" name="Rectangle 2"/>
+          <p:cNvSpPr>
+            <a:spLocks noGrp="1" noRot="1" noChangeAspect="1" noChangeArrowheads="1" noTextEdit="1"/>
+          </p:cNvSpPr>
+          <p:nvPr>
+            <p:ph type="sldImg"/>
+          </p:nvPr>
+        </p:nvSpPr>
+        <p:spPr>
+          <a:xfrm>
+            <a:off x="1166813" y="682625"/>
+            <a:ext cx="4664075" cy="3497263"/>
+          </a:xfrm>
+          <a:ln/>
+        </p:spPr>
+      </p:sp>
+      <p:sp>
+        <p:nvSpPr>
+          <p:cNvPr id="21507" name="Rectangle 3"/>
+          <p:cNvSpPr>
+            <a:spLocks noGrp="1" noChangeArrowheads="1"/>
+          </p:cNvSpPr>
+          <p:nvPr>
+            <p:ph type="body" idx="1"/>
+          </p:nvPr>
+        </p:nvSpPr>
+        <p:spPr>
+          <a:xfrm>
+            <a:off x="912813" y="4406900"/>
+            <a:ext cx="5172075" cy="4181475"/>
+          </a:xfrm>
+          <a:noFill/>
+          <a:ln/>
+        </p:spPr>
+        <p:txBody>
+          <a:bodyPr/>
+          <a:lstStyle/>
+          <a:p>
+            <a:pPr eaLnBrk="1" hangingPunct="1"/>
+            <a:endParaRPr lang="en-US" smtClean="0"/>
+          </a:p>
+        </p:txBody>
+      </p:sp>
+    </p:spTree>
+  </p:cSld>
+  <p:clrMapOvr>
+    <a:masterClrMapping/>
+  </p:clrMapOvr>
+</p:notes>
+</file>
+
+<file path=ppt/notesSlides/notesSlide5.xml><?xml version="1.0" encoding="utf-8"?>
+<p:notes xmlns:a="http://schemas.openxmlformats.org/drawingml/2006/main" xmlns:r="http://schemas.openxmlformats.org/officeDocument/2006/relationships" xmlns:p="http://schemas.openxmlformats.org/presentationml/2006/main">
+  <p:cSld>
+    <p:spTree>
+      <p:nvGrpSpPr>
+        <p:cNvPr id="1" name=""/>
+        <p:cNvGrpSpPr/>
+        <p:nvPr/>
+      </p:nvGrpSpPr>
+      <p:grpSpPr>
+        <a:xfrm>
+          <a:off x="0" y="0"/>
+          <a:ext cx="0" cy="0"/>
+          <a:chOff x="0" y="0"/>
+          <a:chExt cx="0" cy="0"/>
+        </a:xfrm>
+      </p:grpSpPr>
+      <p:sp>
+        <p:nvSpPr>
+          <p:cNvPr id="26626" name="Rectangle 2"/>
+          <p:cNvSpPr>
+            <a:spLocks noGrp="1" noRot="1" noChangeAspect="1" noChangeArrowheads="1" noTextEdit="1"/>
+          </p:cNvSpPr>
+          <p:nvPr>
+            <p:ph type="sldImg"/>
+          </p:nvPr>
+        </p:nvSpPr>
+        <p:spPr>
+          <a:ln/>
+        </p:spPr>
+      </p:sp>
+      <p:sp>
+        <p:nvSpPr>
+          <p:cNvPr id="26627" name="Rectangle 3"/>
+          <p:cNvSpPr>
+            <a:spLocks noGrp="1" noChangeArrowheads="1"/>
+          </p:cNvSpPr>
+          <p:nvPr>
+            <p:ph type="body" idx="1"/>
+          </p:nvPr>
+        </p:nvSpPr>
+        <p:spPr>
+          <a:noFill/>
+          <a:ln/>
+        </p:spPr>
+        <p:txBody>
+          <a:bodyPr/>
+          <a:lstStyle/>
+          <a:p>
+            <a:endParaRPr lang="en-US" smtClean="0"/>
+          </a:p>
+        </p:txBody>
+      </p:sp>
+    </p:spTree>
+  </p:cSld>
+  <p:clrMapOvr>
+    <a:masterClrMapping/>
+  </p:clrMapOvr>
+</p:notes>
+</file>
+
+<file path=ppt/notesSlides/notesSlide6.xml><?xml version="1.0" encoding="utf-8"?>
+<p:notes xmlns:a="http://schemas.openxmlformats.org/drawingml/2006/main" xmlns:r="http://schemas.openxmlformats.org/officeDocument/2006/relationships" xmlns:p="http://schemas.openxmlformats.org/presentationml/2006/main">
+  <p:cSld>
+    <p:spTree>
+      <p:nvGrpSpPr>
+        <p:cNvPr id="1" name=""/>
+        <p:cNvGrpSpPr/>
+        <p:nvPr/>
+      </p:nvGrpSpPr>
+      <p:grpSpPr>
+        <a:xfrm>
+          <a:off x="0" y="0"/>
+          <a:ext cx="0" cy="0"/>
+          <a:chOff x="0" y="0"/>
+          <a:chExt cx="0" cy="0"/>
+        </a:xfrm>
+      </p:grpSpPr>
+      <p:sp>
+        <p:nvSpPr>
+          <p:cNvPr id="27650" name="Rectangle 2"/>
+          <p:cNvSpPr>
+            <a:spLocks noGrp="1" noRot="1" noChangeAspect="1" noChangeArrowheads="1" noTextEdit="1"/>
+          </p:cNvSpPr>
+          <p:nvPr>
+            <p:ph type="sldImg"/>
+          </p:nvPr>
+        </p:nvSpPr>
+        <p:spPr>
+          <a:ln/>
+        </p:spPr>
+      </p:sp>
+      <p:sp>
+        <p:nvSpPr>
+          <p:cNvPr id="27651" name="Rectangle 3"/>
+          <p:cNvSpPr>
+            <a:spLocks noGrp="1" noChangeArrowheads="1"/>
+          </p:cNvSpPr>
+          <p:nvPr>
+            <p:ph type="body" idx="1"/>
+          </p:nvPr>
+        </p:nvSpPr>
+        <p:spPr>
+          <a:noFill/>
+          <a:ln/>
+        </p:spPr>
+        <p:txBody>
+          <a:bodyPr/>
+          <a:lstStyle/>
+          <a:p>
+            <a:endParaRPr lang="en-US" smtClean="0"/>
           </a:p>
         </p:txBody>
       </p:sp>
@@ -1100,7 +1336,7 @@
       </p:grpSpPr>
       <p:pic>
         <p:nvPicPr>
-          <p:cNvPr id="120842" name="Picture 10" descr="caBIG_updated_logo"/>
+          <p:cNvPr id="4" name="Picture 10" descr="caBIG_updated_logo"/>
           <p:cNvPicPr>
             <a:picLocks noChangeAspect="1" noChangeArrowheads="1"/>
           </p:cNvPicPr>
@@ -1122,6 +1358,12 @@
             <a:avLst/>
           </a:prstGeom>
           <a:noFill/>
+          <a:ln w="9525">
+            <a:noFill/>
+            <a:miter lim="800000"/>
+            <a:headEnd/>
+            <a:tailEnd/>
+          </a:ln>
         </p:spPr>
       </p:pic>
       <p:sp>
@@ -1194,12 +1436,12 @@
       </p:sp>
       <p:sp>
         <p:nvSpPr>
-          <p:cNvPr id="120836" name="Rectangle 4"/>
+          <p:cNvPr id="5" name="Rectangle 4"/>
           <p:cNvSpPr>
             <a:spLocks noGrp="1" noChangeArrowheads="1"/>
           </p:cNvSpPr>
           <p:nvPr>
-            <p:ph type="dt" sz="half" idx="2"/>
+            <p:ph type="dt" sz="half" idx="10"/>
           </p:nvPr>
         </p:nvSpPr>
         <p:spPr bwMode="auto">
@@ -1210,7 +1452,6 @@
           <a:prstGeom prst="rect">
             <a:avLst/>
           </a:prstGeom>
-          <a:noFill/>
           <a:ln>
             <a:miter lim="800000"/>
             <a:headEnd/>
@@ -1229,6 +1470,9 @@
             </a:lvl1pPr>
           </a:lstStyle>
           <a:p>
+            <a:pPr>
+              <a:defRPr/>
+            </a:pPr>
             <a:r>
               <a:rPr lang="en-US"/>
               <a:t>2/7/05</a:t>
@@ -1238,12 +1482,12 @@
       </p:sp>
       <p:sp>
         <p:nvSpPr>
-          <p:cNvPr id="120837" name="Rectangle 5"/>
+          <p:cNvPr id="6" name="Rectangle 5"/>
           <p:cNvSpPr>
             <a:spLocks noGrp="1" noChangeArrowheads="1"/>
           </p:cNvSpPr>
           <p:nvPr>
-            <p:ph type="ftr" sz="quarter" idx="3"/>
+            <p:ph type="ftr" sz="quarter" idx="11"/>
           </p:nvPr>
         </p:nvSpPr>
         <p:spPr bwMode="auto">
@@ -1254,7 +1498,6 @@
           <a:prstGeom prst="rect">
             <a:avLst/>
           </a:prstGeom>
-          <a:noFill/>
           <a:ln>
             <a:miter lim="800000"/>
             <a:headEnd/>
@@ -1273,18 +1516,21 @@
             </a:lvl1pPr>
           </a:lstStyle>
           <a:p>
+            <a:pPr>
+              <a:defRPr/>
+            </a:pPr>
             <a:endParaRPr lang="en-US"/>
           </a:p>
         </p:txBody>
       </p:sp>
       <p:sp>
         <p:nvSpPr>
-          <p:cNvPr id="120838" name="Rectangle 6"/>
+          <p:cNvPr id="7" name="Rectangle 6"/>
           <p:cNvSpPr>
             <a:spLocks noGrp="1" noChangeArrowheads="1"/>
           </p:cNvSpPr>
           <p:nvPr>
-            <p:ph type="sldNum" sz="quarter" idx="4"/>
+            <p:ph type="sldNum" sz="quarter" idx="12"/>
           </p:nvPr>
         </p:nvSpPr>
         <p:spPr>
@@ -1301,9 +1547,14 @@
             </a:lvl1pPr>
           </a:lstStyle>
           <a:p>
-            <a:fld id="{D45105B5-65C5-4AAE-88F0-EE86619F27DB}" type="slidenum">
+            <a:pPr>
+              <a:defRPr/>
+            </a:pPr>
+            <a:fld id="{309D17A5-5712-4DCB-82B8-0A16FAC29755}" type="slidenum">
               <a:rPr lang="en-US"/>
-              <a:pPr/>
+              <a:pPr>
+                <a:defRPr/>
+              </a:pPr>
               <a:t>‹#›</a:t>
             </a:fld>
             <a:endParaRPr lang="en-US"/>
@@ -1412,15 +1663,17 @@
       </p:sp>
       <p:sp>
         <p:nvSpPr>
-          <p:cNvPr id="4" name="Slide Number Placeholder 3"/>
+          <p:cNvPr id="4" name="Rectangle 6"/>
           <p:cNvSpPr>
-            <a:spLocks noGrp="1"/>
+            <a:spLocks noGrp="1" noChangeArrowheads="1"/>
           </p:cNvSpPr>
           <p:nvPr>
             <p:ph type="sldNum" sz="quarter" idx="10"/>
           </p:nvPr>
         </p:nvSpPr>
-        <p:spPr/>
+        <p:spPr>
+          <a:ln/>
+        </p:spPr>
         <p:txBody>
           <a:bodyPr/>
           <a:lstStyle>
@@ -1429,9 +1682,14 @@
             </a:lvl1pPr>
           </a:lstStyle>
           <a:p>
-            <a:fld id="{3124BE26-AC3A-4874-BD88-0DDC79A15521}" type="slidenum">
+            <a:pPr>
+              <a:defRPr/>
+            </a:pPr>
+            <a:fld id="{C735D740-371B-4DA4-8A09-61CCBBC6B8DF}" type="slidenum">
               <a:rPr lang="en-US"/>
-              <a:pPr/>
+              <a:pPr>
+                <a:defRPr/>
+              </a:pPr>
               <a:t>‹#›</a:t>
             </a:fld>
             <a:endParaRPr lang="en-US"/>
@@ -1550,15 +1808,17 @@
       </p:sp>
       <p:sp>
         <p:nvSpPr>
-          <p:cNvPr id="4" name="Slide Number Placeholder 3"/>
+          <p:cNvPr id="4" name="Rectangle 6"/>
           <p:cNvSpPr>
-            <a:spLocks noGrp="1"/>
+            <a:spLocks noGrp="1" noChangeArrowheads="1"/>
           </p:cNvSpPr>
           <p:nvPr>
             <p:ph type="sldNum" sz="quarter" idx="10"/>
           </p:nvPr>
         </p:nvSpPr>
-        <p:spPr/>
+        <p:spPr>
+          <a:ln/>
+        </p:spPr>
         <p:txBody>
           <a:bodyPr/>
           <a:lstStyle>
@@ -1567,9 +1827,14 @@
             </a:lvl1pPr>
           </a:lstStyle>
           <a:p>
-            <a:fld id="{D220E580-B6A5-4F8D-A4CB-254CE2089743}" type="slidenum">
+            <a:pPr>
+              <a:defRPr/>
+            </a:pPr>
+            <a:fld id="{54EE6069-7880-4E5D-936C-63654E541497}" type="slidenum">
               <a:rPr lang="en-US"/>
-              <a:pPr/>
+              <a:pPr>
+                <a:defRPr/>
+              </a:pPr>
               <a:t>‹#›</a:t>
             </a:fld>
             <a:endParaRPr lang="en-US"/>
@@ -1678,15 +1943,17 @@
       </p:sp>
       <p:sp>
         <p:nvSpPr>
-          <p:cNvPr id="4" name="Slide Number Placeholder 3"/>
+          <p:cNvPr id="4" name="Rectangle 6"/>
           <p:cNvSpPr>
-            <a:spLocks noGrp="1"/>
+            <a:spLocks noGrp="1" noChangeArrowheads="1"/>
           </p:cNvSpPr>
           <p:nvPr>
             <p:ph type="sldNum" sz="quarter" idx="10"/>
           </p:nvPr>
         </p:nvSpPr>
-        <p:spPr/>
+        <p:spPr>
+          <a:ln/>
+        </p:spPr>
         <p:txBody>
           <a:bodyPr/>
           <a:lstStyle>
@@ -1695,9 +1962,14 @@
             </a:lvl1pPr>
           </a:lstStyle>
           <a:p>
-            <a:fld id="{6D86B74E-3AF7-4B3B-B8EB-5490AC021D3F}" type="slidenum">
+            <a:pPr>
+              <a:defRPr/>
+            </a:pPr>
+            <a:fld id="{4B7EA989-3AA3-45DB-8464-F4781D9D2F35}" type="slidenum">
               <a:rPr lang="en-US"/>
-              <a:pPr/>
+              <a:pPr>
+                <a:defRPr/>
+              </a:pPr>
               <a:t>‹#›</a:t>
             </a:fld>
             <a:endParaRPr lang="en-US"/>
@@ -1828,15 +2100,17 @@
       </p:sp>
       <p:sp>
         <p:nvSpPr>
-          <p:cNvPr id="4" name="Slide Number Placeholder 3"/>
+          <p:cNvPr id="4" name="Rectangle 6"/>
           <p:cNvSpPr>
-            <a:spLocks noGrp="1"/>
+            <a:spLocks noGrp="1" noChangeArrowheads="1"/>
           </p:cNvSpPr>
           <p:nvPr>
             <p:ph type="sldNum" sz="quarter" idx="10"/>
           </p:nvPr>
         </p:nvSpPr>
-        <p:spPr/>
+        <p:spPr>
+          <a:ln/>
+        </p:spPr>
         <p:txBody>
           <a:bodyPr/>
           <a:lstStyle>
@@ -1845,9 +2119,14 @@
             </a:lvl1pPr>
           </a:lstStyle>
           <a:p>
-            <a:fld id="{18873FB0-7F20-4DCB-A935-2B25A069951C}" type="slidenum">
+            <a:pPr>
+              <a:defRPr/>
+            </a:pPr>
+            <a:fld id="{63703604-A439-40DC-A117-12D1F85DD04B}" type="slidenum">
               <a:rPr lang="en-US"/>
-              <a:pPr/>
+              <a:pPr>
+                <a:defRPr/>
+              </a:pPr>
               <a:t>‹#›</a:t>
             </a:fld>
             <a:endParaRPr lang="en-US"/>
@@ -2074,15 +2353,17 @@
       </p:sp>
       <p:sp>
         <p:nvSpPr>
-          <p:cNvPr id="5" name="Slide Number Placeholder 4"/>
+          <p:cNvPr id="5" name="Rectangle 6"/>
           <p:cNvSpPr>
-            <a:spLocks noGrp="1"/>
+            <a:spLocks noGrp="1" noChangeArrowheads="1"/>
           </p:cNvSpPr>
           <p:nvPr>
             <p:ph type="sldNum" sz="quarter" idx="10"/>
           </p:nvPr>
         </p:nvSpPr>
-        <p:spPr/>
+        <p:spPr>
+          <a:ln/>
+        </p:spPr>
         <p:txBody>
           <a:bodyPr/>
           <a:lstStyle>
@@ -2091,9 +2372,14 @@
             </a:lvl1pPr>
           </a:lstStyle>
           <a:p>
-            <a:fld id="{7033E86D-3662-4D01-82CB-286F429AED2F}" type="slidenum">
+            <a:pPr>
+              <a:defRPr/>
+            </a:pPr>
+            <a:fld id="{8B9D4BA5-BA26-4279-9B3D-153D7AB327ED}" type="slidenum">
               <a:rPr lang="en-US"/>
-              <a:pPr/>
+              <a:pPr>
+                <a:defRPr/>
+              </a:pPr>
               <a:t>‹#›</a:t>
             </a:fld>
             <a:endParaRPr lang="en-US"/>
@@ -2459,15 +2745,17 @@
       </p:sp>
       <p:sp>
         <p:nvSpPr>
-          <p:cNvPr id="7" name="Slide Number Placeholder 6"/>
+          <p:cNvPr id="7" name="Rectangle 6"/>
           <p:cNvSpPr>
-            <a:spLocks noGrp="1"/>
+            <a:spLocks noGrp="1" noChangeArrowheads="1"/>
           </p:cNvSpPr>
           <p:nvPr>
             <p:ph type="sldNum" sz="quarter" idx="10"/>
           </p:nvPr>
         </p:nvSpPr>
-        <p:spPr/>
+        <p:spPr>
+          <a:ln/>
+        </p:spPr>
         <p:txBody>
           <a:bodyPr/>
           <a:lstStyle>
@@ -2476,9 +2764,14 @@
             </a:lvl1pPr>
           </a:lstStyle>
           <a:p>
-            <a:fld id="{65084049-F6DC-4D85-BBC8-7D8437F53FBA}" type="slidenum">
+            <a:pPr>
+              <a:defRPr/>
+            </a:pPr>
+            <a:fld id="{46CB39AA-B6BC-4632-A1BF-B3FED3623F06}" type="slidenum">
               <a:rPr lang="en-US"/>
-              <a:pPr/>
+              <a:pPr>
+                <a:defRPr/>
+              </a:pPr>
               <a:t>‹#›</a:t>
             </a:fld>
             <a:endParaRPr lang="en-US"/>
@@ -2535,15 +2828,17 @@
       </p:sp>
       <p:sp>
         <p:nvSpPr>
-          <p:cNvPr id="3" name="Slide Number Placeholder 2"/>
+          <p:cNvPr id="3" name="Rectangle 6"/>
           <p:cNvSpPr>
-            <a:spLocks noGrp="1"/>
+            <a:spLocks noGrp="1" noChangeArrowheads="1"/>
           </p:cNvSpPr>
           <p:nvPr>
             <p:ph type="sldNum" sz="quarter" idx="10"/>
           </p:nvPr>
         </p:nvSpPr>
-        <p:spPr/>
+        <p:spPr>
+          <a:ln/>
+        </p:spPr>
         <p:txBody>
           <a:bodyPr/>
           <a:lstStyle>
@@ -2552,9 +2847,14 @@
             </a:lvl1pPr>
           </a:lstStyle>
           <a:p>
-            <a:fld id="{665F58C1-6036-4730-BD08-496F102677DA}" type="slidenum">
+            <a:pPr>
+              <a:defRPr/>
+            </a:pPr>
+            <a:fld id="{1C72B610-BB33-4817-8D34-A53395EBD306}" type="slidenum">
               <a:rPr lang="en-US"/>
-              <a:pPr/>
+              <a:pPr>
+                <a:defRPr/>
+              </a:pPr>
               <a:t>‹#›</a:t>
             </a:fld>
             <a:endParaRPr lang="en-US"/>
@@ -2588,15 +2888,17 @@
       </p:grpSpPr>
       <p:sp>
         <p:nvSpPr>
-          <p:cNvPr id="2" name="Slide Number Placeholder 1"/>
+          <p:cNvPr id="2" name="Rectangle 6"/>
           <p:cNvSpPr>
-            <a:spLocks noGrp="1"/>
+            <a:spLocks noGrp="1" noChangeArrowheads="1"/>
           </p:cNvSpPr>
           <p:nvPr>
             <p:ph type="sldNum" sz="quarter" idx="10"/>
           </p:nvPr>
         </p:nvSpPr>
-        <p:spPr/>
+        <p:spPr>
+          <a:ln/>
+        </p:spPr>
         <p:txBody>
           <a:bodyPr/>
           <a:lstStyle>
@@ -2605,9 +2907,14 @@
             </a:lvl1pPr>
           </a:lstStyle>
           <a:p>
-            <a:fld id="{6FDF0BB9-6843-48CF-B371-86FBBA1D1D07}" type="slidenum">
+            <a:pPr>
+              <a:defRPr/>
+            </a:pPr>
+            <a:fld id="{66DA15A3-B929-43C3-8754-858A41800FB8}" type="slidenum">
               <a:rPr lang="en-US"/>
-              <a:pPr/>
+              <a:pPr>
+                <a:defRPr/>
+              </a:pPr>
               <a:t>‹#›</a:t>
             </a:fld>
             <a:endParaRPr lang="en-US"/>
@@ -2823,15 +3130,17 @@
       </p:sp>
       <p:sp>
         <p:nvSpPr>
-          <p:cNvPr id="5" name="Slide Number Placeholder 4"/>
+          <p:cNvPr id="5" name="Rectangle 6"/>
           <p:cNvSpPr>
-            <a:spLocks noGrp="1"/>
+            <a:spLocks noGrp="1" noChangeArrowheads="1"/>
           </p:cNvSpPr>
           <p:nvPr>
             <p:ph type="sldNum" sz="quarter" idx="10"/>
           </p:nvPr>
         </p:nvSpPr>
-        <p:spPr/>
+        <p:spPr>
+          <a:ln/>
+        </p:spPr>
         <p:txBody>
           <a:bodyPr/>
           <a:lstStyle>
@@ -2840,9 +3149,14 @@
             </a:lvl1pPr>
           </a:lstStyle>
           <a:p>
-            <a:fld id="{391B2C50-CD29-4609-B644-EA062317D815}" type="slidenum">
+            <a:pPr>
+              <a:defRPr/>
+            </a:pPr>
+            <a:fld id="{3ADC00F5-7EB6-4544-8A9A-4040163C3337}" type="slidenum">
               <a:rPr lang="en-US"/>
-              <a:pPr/>
+              <a:pPr>
+                <a:defRPr/>
+              </a:pPr>
               <a:t>‹#›</a:t>
             </a:fld>
             <a:endParaRPr lang="en-US"/>
@@ -2963,7 +3277,8 @@
             </a:lvl9pPr>
           </a:lstStyle>
           <a:p>
-            <a:endParaRPr lang="en-US"/>
+            <a:pPr lvl="0"/>
+            <a:endParaRPr lang="en-US" noProof="0"/>
           </a:p>
         </p:txBody>
       </p:sp>
@@ -3034,15 +3349,17 @@
       </p:sp>
       <p:sp>
         <p:nvSpPr>
-          <p:cNvPr id="5" name="Slide Number Placeholder 4"/>
+          <p:cNvPr id="5" name="Rectangle 6"/>
           <p:cNvSpPr>
-            <a:spLocks noGrp="1"/>
+            <a:spLocks noGrp="1" noChangeArrowheads="1"/>
           </p:cNvSpPr>
           <p:nvPr>
             <p:ph type="sldNum" sz="quarter" idx="10"/>
           </p:nvPr>
         </p:nvSpPr>
-        <p:spPr/>
+        <p:spPr>
+          <a:ln/>
+        </p:spPr>
         <p:txBody>
           <a:bodyPr/>
           <a:lstStyle>
@@ -3051,9 +3368,14 @@
             </a:lvl1pPr>
           </a:lstStyle>
           <a:p>
-            <a:fld id="{B74F2A50-6BD1-4509-BB65-EA8A170A0D7D}" type="slidenum">
+            <a:pPr>
+              <a:defRPr/>
+            </a:pPr>
+            <a:fld id="{03681FEF-946D-480F-85A2-D808844CD6AB}" type="slidenum">
               <a:rPr lang="en-US"/>
-              <a:pPr/>
+              <a:pPr>
+                <a:defRPr/>
+              </a:pPr>
               <a:t>‹#›</a:t>
             </a:fld>
             <a:endParaRPr lang="en-US"/>
@@ -3095,7 +3417,7 @@
       </p:grpSpPr>
       <p:pic>
         <p:nvPicPr>
-          <p:cNvPr id="119817" name="Picture 9" descr="caBIG_updated_logo"/>
+          <p:cNvPr id="1026" name="Picture 9" descr="caBIG_updated_logo"/>
           <p:cNvPicPr>
             <a:picLocks noChangeAspect="1" noChangeArrowheads="1"/>
           </p:cNvPicPr>
@@ -3117,11 +3439,17 @@
             <a:avLst/>
           </a:prstGeom>
           <a:noFill/>
+          <a:ln w="9525">
+            <a:noFill/>
+            <a:miter lim="800000"/>
+            <a:headEnd/>
+            <a:tailEnd/>
+          </a:ln>
         </p:spPr>
       </p:pic>
       <p:sp>
         <p:nvSpPr>
-          <p:cNvPr id="119810" name="Rectangle 2"/>
+          <p:cNvPr id="1027" name="Rectangle 2"/>
           <p:cNvSpPr>
             <a:spLocks noGrp="1" noChangeArrowheads="1"/>
           </p:cNvSpPr>
@@ -3144,7 +3472,6 @@
             <a:headEnd/>
             <a:tailEnd/>
           </a:ln>
-          <a:effectLst/>
         </p:spPr>
         <p:txBody>
           <a:bodyPr vert="horz" wrap="square" lIns="91440" tIns="45720" rIns="91440" bIns="45720" numCol="1" anchor="ctr" anchorCtr="0" compatLnSpc="1">
@@ -3164,7 +3491,7 @@
       </p:sp>
       <p:sp>
         <p:nvSpPr>
-          <p:cNvPr id="119811" name="Rectangle 3"/>
+          <p:cNvPr id="1028" name="Rectangle 3"/>
           <p:cNvSpPr>
             <a:spLocks noGrp="1" noChangeArrowheads="1"/>
           </p:cNvSpPr>
@@ -3187,7 +3514,6 @@
             <a:headEnd/>
             <a:tailEnd/>
           </a:ln>
-          <a:effectLst/>
         </p:spPr>
         <p:txBody>
           <a:bodyPr vert="horz" wrap="square" lIns="91440" tIns="45720" rIns="91440" bIns="45720" numCol="1" anchor="t" anchorCtr="0" compatLnSpc="1">
@@ -3272,9 +3598,14 @@
             </a:lvl1pPr>
           </a:lstStyle>
           <a:p>
-            <a:fld id="{07511946-AA57-4CA1-8322-46B25E506E33}" type="slidenum">
+            <a:pPr>
+              <a:defRPr/>
+            </a:pPr>
+            <a:fld id="{DC0CEC93-863E-4819-A52E-7CE0B861DFAA}" type="slidenum">
               <a:rPr lang="en-US"/>
-              <a:pPr/>
+              <a:pPr>
+                <a:defRPr/>
+              </a:pPr>
               <a:t>‹#›</a:t>
             </a:fld>
             <a:endParaRPr lang="en-US"/>
@@ -3285,21 +3616,21 @@
   </p:cSld>
   <p:clrMap bg1="lt1" tx1="dk1" bg2="lt2" tx2="dk2" accent1="accent1" accent2="accent2" accent3="accent3" accent4="accent4" accent5="accent5" accent6="accent6" hlink="hlink" folHlink="folHlink"/>
   <p:sldLayoutIdLst>
-    <p:sldLayoutId id="2147483650" r:id="rId1"/>
-    <p:sldLayoutId id="2147483651" r:id="rId2"/>
-    <p:sldLayoutId id="2147483652" r:id="rId3"/>
-    <p:sldLayoutId id="2147483653" r:id="rId4"/>
-    <p:sldLayoutId id="2147483654" r:id="rId5"/>
-    <p:sldLayoutId id="2147483655" r:id="rId6"/>
-    <p:sldLayoutId id="2147483656" r:id="rId7"/>
-    <p:sldLayoutId id="2147483657" r:id="rId8"/>
-    <p:sldLayoutId id="2147483658" r:id="rId9"/>
-    <p:sldLayoutId id="2147483659" r:id="rId10"/>
-    <p:sldLayoutId id="2147483660" r:id="rId11"/>
+    <p:sldLayoutId id="2147483661" r:id="rId1"/>
+    <p:sldLayoutId id="2147483660" r:id="rId2"/>
+    <p:sldLayoutId id="2147483659" r:id="rId3"/>
+    <p:sldLayoutId id="2147483658" r:id="rId4"/>
+    <p:sldLayoutId id="2147483657" r:id="rId5"/>
+    <p:sldLayoutId id="2147483656" r:id="rId6"/>
+    <p:sldLayoutId id="2147483655" r:id="rId7"/>
+    <p:sldLayoutId id="2147483654" r:id="rId8"/>
+    <p:sldLayoutId id="2147483653" r:id="rId9"/>
+    <p:sldLayoutId id="2147483652" r:id="rId10"/>
+    <p:sldLayoutId id="2147483651" r:id="rId11"/>
   </p:sldLayoutIdLst>
   <p:txStyles>
     <p:titleStyle>
-      <a:lvl1pPr algn="ctr" rtl="0" fontAlgn="base">
+      <a:lvl1pPr algn="ctr" rtl="0" eaLnBrk="0" fontAlgn="base" hangingPunct="0">
         <a:spcBef>
           <a:spcPct val="0"/>
         </a:spcBef>
@@ -3315,7 +3646,7 @@
           <a:cs typeface="+mj-cs"/>
         </a:defRPr>
       </a:lvl1pPr>
-      <a:lvl2pPr algn="ctr" rtl="0" fontAlgn="base">
+      <a:lvl2pPr algn="ctr" rtl="0" eaLnBrk="0" fontAlgn="base" hangingPunct="0">
         <a:spcBef>
           <a:spcPct val="0"/>
         </a:spcBef>
@@ -3329,7 +3660,7 @@
           <a:latin typeface="Arial" charset="0"/>
         </a:defRPr>
       </a:lvl2pPr>
-      <a:lvl3pPr algn="ctr" rtl="0" fontAlgn="base">
+      <a:lvl3pPr algn="ctr" rtl="0" eaLnBrk="0" fontAlgn="base" hangingPunct="0">
         <a:spcBef>
           <a:spcPct val="0"/>
         </a:spcBef>
@@ -3343,7 +3674,7 @@
           <a:latin typeface="Arial" charset="0"/>
         </a:defRPr>
       </a:lvl3pPr>
-      <a:lvl4pPr algn="ctr" rtl="0" fontAlgn="base">
+      <a:lvl4pPr algn="ctr" rtl="0" eaLnBrk="0" fontAlgn="base" hangingPunct="0">
         <a:spcBef>
           <a:spcPct val="0"/>
         </a:spcBef>
@@ -3357,7 +3688,7 @@
           <a:latin typeface="Arial" charset="0"/>
         </a:defRPr>
       </a:lvl4pPr>
-      <a:lvl5pPr algn="ctr" rtl="0" fontAlgn="base">
+      <a:lvl5pPr algn="ctr" rtl="0" eaLnBrk="0" fontAlgn="base" hangingPunct="0">
         <a:spcBef>
           <a:spcPct val="0"/>
         </a:spcBef>
@@ -3429,7 +3760,7 @@
       </a:lvl9pPr>
     </p:titleStyle>
     <p:bodyStyle>
-      <a:lvl1pPr marL="342900" indent="-342900" algn="l" rtl="0" fontAlgn="base">
+      <a:lvl1pPr marL="342900" indent="-342900" algn="l" rtl="0" eaLnBrk="0" fontAlgn="base" hangingPunct="0">
         <a:spcBef>
           <a:spcPct val="20000"/>
         </a:spcBef>
@@ -3446,7 +3777,7 @@
           <a:cs typeface="+mn-cs"/>
         </a:defRPr>
       </a:lvl1pPr>
-      <a:lvl2pPr marL="742950" indent="-285750" algn="l" rtl="0" fontAlgn="base">
+      <a:lvl2pPr marL="742950" indent="-285750" algn="l" rtl="0" eaLnBrk="0" fontAlgn="base" hangingPunct="0">
         <a:spcBef>
           <a:spcPct val="20000"/>
         </a:spcBef>
@@ -3461,7 +3792,7 @@
           <a:latin typeface="+mn-lt"/>
         </a:defRPr>
       </a:lvl2pPr>
-      <a:lvl3pPr marL="1143000" indent="-228600" algn="l" rtl="0" fontAlgn="base">
+      <a:lvl3pPr marL="1143000" indent="-228600" algn="l" rtl="0" eaLnBrk="0" fontAlgn="base" hangingPunct="0">
         <a:spcBef>
           <a:spcPct val="20000"/>
         </a:spcBef>
@@ -3476,7 +3807,7 @@
           <a:latin typeface="+mn-lt"/>
         </a:defRPr>
       </a:lvl3pPr>
-      <a:lvl4pPr marL="1600200" indent="-228600" algn="l" rtl="0" fontAlgn="base">
+      <a:lvl4pPr marL="1600200" indent="-228600" algn="l" rtl="0" eaLnBrk="0" fontAlgn="base" hangingPunct="0">
         <a:spcBef>
           <a:spcPct val="20000"/>
         </a:spcBef>
@@ -3484,14 +3815,14 @@
           <a:spcPct val="0"/>
         </a:spcAft>
         <a:buChar char="–"/>
-        <a:defRPr>
+        <a:defRPr sz="2000">
           <a:solidFill>
             <a:srgbClr val="5F5F5F"/>
           </a:solidFill>
           <a:latin typeface="+mn-lt"/>
         </a:defRPr>
       </a:lvl4pPr>
-      <a:lvl5pPr marL="2057400" indent="-228600" algn="l" rtl="0" fontAlgn="base">
+      <a:lvl5pPr marL="2057400" indent="-228600" algn="l" rtl="0" eaLnBrk="0" fontAlgn="base" hangingPunct="0">
         <a:spcBef>
           <a:spcPct val="20000"/>
         </a:spcBef>
@@ -3499,7 +3830,7 @@
           <a:spcPct val="0"/>
         </a:spcAft>
         <a:buChar char="»"/>
-        <a:defRPr>
+        <a:defRPr sz="2000">
           <a:solidFill>
             <a:srgbClr val="5F5F5F"/>
           </a:solidFill>
@@ -3685,7 +4016,7 @@
       </p:grpSpPr>
       <p:sp>
         <p:nvSpPr>
-          <p:cNvPr id="228354" name="Rectangle 2"/>
+          <p:cNvPr id="15361" name="Rectangle 2"/>
           <p:cNvSpPr>
             <a:spLocks noGrp="1" noChangeArrowheads="1"/>
           </p:cNvSpPr>
@@ -3703,55 +4034,39 @@
           <a:bodyPr/>
           <a:lstStyle/>
           <a:p>
-            <a:r>
-              <a:rPr lang="en-US" sz="4300" b="1" dirty="0" smtClean="0"/>
-              <a:t>C3PR version 2</a:t>
-            </a:r>
-            <a:r>
-              <a:rPr lang="en-US" sz="4300" b="1" dirty="0" smtClean="0"/>
+            <a:pPr eaLnBrk="1" hangingPunct="1"/>
+            <a:r>
+              <a:rPr lang="en-US" sz="4300" b="1" smtClean="0"/>
+              <a:t>C3PR version 2 Overview:</a:t>
+            </a:r>
+            <a:r>
+              <a:rPr lang="en-US" smtClean="0"/>
               <a:t> </a:t>
             </a:r>
             <a:r>
-              <a:rPr lang="en-US" sz="4300" b="1" dirty="0" smtClean="0"/>
-              <a:t>Overview</a:t>
-            </a:r>
-            <a:r>
-              <a:rPr lang="en-US" sz="4300" b="1" dirty="0"/>
-              <a:t>:</a:t>
-            </a:r>
-            <a:r>
-              <a:rPr lang="en-US" dirty="0"/>
-              <a:t> </a:t>
-            </a:r>
-            <a:r>
-              <a:rPr lang="en-US" sz="1300" dirty="0"/>
+              <a:rPr lang="en-US" sz="1300" smtClean="0"/>
               <a:t/>
             </a:r>
             <a:br>
-              <a:rPr lang="en-US" sz="1300" dirty="0"/>
+              <a:rPr lang="en-US" sz="1300" smtClean="0"/>
             </a:br>
             <a:r>
-              <a:rPr lang="en-US" sz="1300" i="1" dirty="0"/>
+              <a:rPr lang="en-US" sz="1300" i="1" smtClean="0"/>
               <a:t/>
             </a:r>
             <a:br>
-              <a:rPr lang="en-US" sz="1300" i="1" dirty="0"/>
+              <a:rPr lang="en-US" sz="1300" i="1" smtClean="0"/>
             </a:br>
             <a:r>
-              <a:rPr lang="en-US" i="1" dirty="0" smtClean="0"/>
-              <a:t> </a:t>
-            </a:r>
-            <a:r>
-              <a:rPr lang="en-US" i="1" dirty="0" smtClean="0"/>
-              <a:t>A web based Trial patient registry solution</a:t>
-            </a:r>
-            <a:endParaRPr lang="en-US" i="1" dirty="0"/>
+              <a:rPr lang="en-US" i="1" smtClean="0"/>
+              <a:t> A web based Trial patient registry solution</a:t>
+            </a:r>
           </a:p>
         </p:txBody>
       </p:sp>
       <p:sp>
         <p:nvSpPr>
-          <p:cNvPr id="228355" name="Rectangle 3"/>
+          <p:cNvPr id="15362" name="Rectangle 3"/>
           <p:cNvSpPr>
             <a:spLocks noGrp="1" noChangeArrowheads="1"/>
           </p:cNvSpPr>
@@ -3769,92 +4084,61 @@
           <a:bodyPr/>
           <a:lstStyle/>
           <a:p>
-            <a:pPr>
+            <a:pPr eaLnBrk="1" hangingPunct="1">
               <a:spcBef>
                 <a:spcPct val="0"/>
               </a:spcBef>
             </a:pPr>
-            <a:endParaRPr lang="en-US" sz="2000" i="0" dirty="0">
+            <a:endParaRPr lang="en-US" sz="2000" i="0" smtClean="0">
               <a:solidFill>
                 <a:srgbClr val="333399"/>
               </a:solidFill>
             </a:endParaRPr>
           </a:p>
           <a:p>
-            <a:pPr>
+            <a:pPr eaLnBrk="1" hangingPunct="1">
               <a:spcBef>
                 <a:spcPct val="0"/>
               </a:spcBef>
             </a:pPr>
             <a:r>
-              <a:rPr lang="en-US" sz="2000" i="0" dirty="0" smtClean="0">
+              <a:rPr lang="en-US" sz="2000" i="0" smtClean="0">
                 <a:solidFill>
                   <a:srgbClr val="333399"/>
                 </a:solidFill>
               </a:rPr>
               <a:t>Workspace: caBIG CTMS Workspace</a:t>
             </a:r>
-            <a:endParaRPr lang="en-US" sz="2000" i="0" dirty="0">
-              <a:solidFill>
-                <a:srgbClr val="333399"/>
-              </a:solidFill>
-            </a:endParaRPr>
-          </a:p>
-          <a:p>
-            <a:pPr>
+          </a:p>
+          <a:p>
+            <a:pPr eaLnBrk="1" hangingPunct="1">
               <a:spcBef>
                 <a:spcPct val="0"/>
               </a:spcBef>
             </a:pPr>
             <a:r>
-              <a:rPr lang="en-US" sz="2000" i="0" dirty="0" smtClean="0">
+              <a:rPr lang="en-US" sz="2000" i="0" smtClean="0">
                 <a:solidFill>
                   <a:srgbClr val="333399"/>
                 </a:solidFill>
               </a:rPr>
-              <a:t>Developer: </a:t>
-            </a:r>
-            <a:r>
-              <a:rPr lang="en-US" sz="2000" i="0" dirty="0" smtClean="0">
-                <a:solidFill>
-                  <a:srgbClr val="333399"/>
-                </a:solidFill>
-              </a:rPr>
-              <a:t>Duke </a:t>
-            </a:r>
-            <a:r>
-              <a:rPr lang="en-US" sz="2000" i="0" dirty="0" smtClean="0">
-                <a:solidFill>
-                  <a:srgbClr val="333399"/>
-                </a:solidFill>
-              </a:rPr>
-              <a:t>University/Semantic Bits</a:t>
-            </a:r>
-            <a:endParaRPr lang="en-US" sz="2000" i="0" dirty="0">
-              <a:solidFill>
-                <a:srgbClr val="333399"/>
-              </a:solidFill>
-            </a:endParaRPr>
-          </a:p>
-          <a:p>
-            <a:pPr>
+              <a:t>Developer: Duke University/Semantic Bits</a:t>
+            </a:r>
+          </a:p>
+          <a:p>
+            <a:pPr eaLnBrk="1" hangingPunct="1">
               <a:spcBef>
                 <a:spcPct val="0"/>
               </a:spcBef>
             </a:pPr>
             <a:r>
-              <a:rPr lang="en-US" sz="2000" i="0" dirty="0" smtClean="0">
+              <a:rPr lang="en-US" sz="2000" i="0" smtClean="0">
                 <a:solidFill>
                   <a:srgbClr val="333399"/>
                 </a:solidFill>
               </a:rPr>
               <a:t>Adopters: Mayo Clinic, Wake Forest University</a:t>
             </a:r>
-            <a:endParaRPr lang="en-US" sz="2000" i="0" dirty="0">
-              <a:solidFill>
-                <a:srgbClr val="333399"/>
-              </a:solidFill>
-            </a:endParaRPr>
           </a:p>
         </p:txBody>
       </p:sp>
@@ -3892,7 +4176,7 @@
       </p:grpSpPr>
       <p:sp>
         <p:nvSpPr>
-          <p:cNvPr id="349186" name="Rectangle 2"/>
+          <p:cNvPr id="17409" name="Rectangle 2"/>
           <p:cNvSpPr>
             <a:spLocks noGrp="1" noChangeArrowheads="1"/>
           </p:cNvSpPr>
@@ -3905,17 +4189,17 @@
           <a:bodyPr/>
           <a:lstStyle/>
           <a:p>
-            <a:r>
-              <a:rPr lang="en-US" sz="2800" dirty="0" smtClean="0"/>
+            <a:pPr eaLnBrk="1" hangingPunct="1"/>
+            <a:r>
+              <a:rPr lang="en-US" sz="2800" smtClean="0"/>
               <a:t>C3PR version 2:</a:t>
             </a:r>
-            <a:endParaRPr lang="en-US" sz="2800" dirty="0"/>
           </a:p>
         </p:txBody>
       </p:sp>
       <p:sp>
         <p:nvSpPr>
-          <p:cNvPr id="349187" name="Rectangle 3"/>
+          <p:cNvPr id="17410" name="Rectangle 3"/>
           <p:cNvSpPr>
             <a:spLocks noGrp="1" noChangeArrowheads="1"/>
           </p:cNvSpPr>
@@ -3933,59 +4217,48 @@
           <a:bodyPr/>
           <a:lstStyle/>
           <a:p>
-            <a:r>
-              <a:rPr lang="en-US" dirty="0" smtClean="0"/>
+            <a:pPr eaLnBrk="1" hangingPunct="1"/>
+            <a:r>
+              <a:rPr lang="en-US" smtClean="0"/>
               <a:t>Version 1 was a registry module of the NCI’s pre-caBIG C3D clinical trials system</a:t>
             </a:r>
           </a:p>
           <a:p>
-            <a:r>
-              <a:rPr lang="en-US" dirty="0" smtClean="0"/>
+            <a:pPr eaLnBrk="1" hangingPunct="1"/>
+            <a:r>
+              <a:rPr lang="en-US" smtClean="0"/>
               <a:t>Version 2 will work with or without C3D, and will integrate with other caBIG CTMS tools</a:t>
             </a:r>
           </a:p>
           <a:p>
-            <a:r>
-              <a:rPr lang="en-US" dirty="0" smtClean="0"/>
+            <a:pPr eaLnBrk="1" hangingPunct="1"/>
+            <a:r>
+              <a:rPr lang="en-US" smtClean="0"/>
               <a:t>Handles Multi-Institutional Trials</a:t>
             </a:r>
           </a:p>
           <a:p>
-            <a:r>
-              <a:rPr lang="en-US" dirty="0" smtClean="0"/>
+            <a:pPr eaLnBrk="1" hangingPunct="1"/>
+            <a:r>
+              <a:rPr lang="en-US" smtClean="0"/>
               <a:t>Manages eligibility, regulatory, trial accrual target triggers, randomization, and accrual reservations.</a:t>
             </a:r>
           </a:p>
           <a:p>
-            <a:r>
-              <a:rPr lang="en-US" dirty="0" smtClean="0"/>
-              <a:t>Primary </a:t>
-            </a:r>
-            <a:r>
-              <a:rPr lang="en-US" dirty="0" smtClean="0"/>
-              <a:t>user groups</a:t>
-            </a:r>
-            <a:r>
-              <a:rPr lang="en-US" dirty="0" smtClean="0"/>
-              <a:t>: protocol </a:t>
-            </a:r>
-            <a:r>
-              <a:rPr lang="en-US" dirty="0" smtClean="0"/>
-              <a:t>managers, </a:t>
-            </a:r>
-            <a:r>
-              <a:rPr lang="en-US" dirty="0" smtClean="0"/>
-              <a:t>registrars and principle investigators.</a:t>
-            </a:r>
-            <a:endParaRPr lang="en-US" dirty="0">
+            <a:pPr eaLnBrk="1" hangingPunct="1"/>
+            <a:r>
+              <a:rPr lang="en-US" smtClean="0"/>
+              <a:t>Primary user groups: protocol managers, registrars and principle investigators.</a:t>
+            </a:r>
+            <a:endParaRPr lang="en-US" smtClean="0">
               <a:solidFill>
                 <a:srgbClr val="3333FF"/>
               </a:solidFill>
             </a:endParaRPr>
           </a:p>
           <a:p>
-            <a:pPr lvl="1"/>
-            <a:endParaRPr lang="en-US" dirty="0"/>
+            <a:pPr lvl="1" eaLnBrk="1" hangingPunct="1"/>
+            <a:endParaRPr lang="en-US" smtClean="0"/>
           </a:p>
         </p:txBody>
       </p:sp>
@@ -4016,7 +4289,7 @@
       </p:grpSpPr>
       <p:grpSp>
         <p:nvGrpSpPr>
-          <p:cNvPr id="4" name="Group 9"/>
+          <p:cNvPr id="18433" name="Group 9"/>
           <p:cNvGrpSpPr>
             <a:grpSpLocks/>
           </p:cNvGrpSpPr>
@@ -4024,15 +4297,15 @@
         </p:nvGrpSpPr>
         <p:grpSpPr bwMode="auto">
           <a:xfrm>
-            <a:off x="6172200" y="1676403"/>
-            <a:ext cx="2719392" cy="2438256"/>
+            <a:off x="6172200" y="1676400"/>
+            <a:ext cx="2719388" cy="2438400"/>
             <a:chOff x="4575" y="1838"/>
             <a:chExt cx="1028" cy="1667"/>
           </a:xfrm>
         </p:grpSpPr>
         <p:sp>
           <p:nvSpPr>
-            <p:cNvPr id="798730" name="Rectangle 10"/>
+            <p:cNvPr id="18450" name="Rectangle 10"/>
             <p:cNvSpPr>
               <a:spLocks noChangeArrowheads="1"/>
             </p:cNvSpPr>
@@ -4049,11 +4322,7 @@
             <a:gradFill rotWithShape="0">
               <a:gsLst>
                 <a:gs pos="0">
-                  <a:srgbClr val="CC99FF">
-                    <a:gamma/>
-                    <a:shade val="46275"/>
-                    <a:invGamma/>
-                  </a:srgbClr>
+                  <a:srgbClr val="5E4776"/>
                 </a:gs>
                 <a:gs pos="100000">
                   <a:srgbClr val="CC99FF"/>
@@ -4069,7 +4338,6 @@
               <a:headEnd/>
               <a:tailEnd/>
             </a:ln>
-            <a:effectLst/>
           </p:spPr>
           <p:txBody>
             <a:bodyPr wrap="none" anchor="ctr"/>
@@ -4081,7 +4349,7 @@
                 </a:lnSpc>
               </a:pPr>
               <a:r>
-                <a:rPr lang="en-US" sz="2000" b="1" i="1" dirty="0" smtClean="0">
+                <a:rPr lang="en-US" sz="2000" b="1" i="1">
                   <a:solidFill>
                     <a:schemeClr val="bg1"/>
                   </a:solidFill>
@@ -4095,7 +4363,7 @@
                   <a:spcPct val="90000"/>
                 </a:lnSpc>
               </a:pPr>
-              <a:endParaRPr lang="en-US" sz="2000" b="1" i="1" dirty="0" smtClean="0">
+              <a:endParaRPr lang="en-US" sz="2000" b="1" i="1">
                 <a:solidFill>
                   <a:schemeClr val="bg1"/>
                 </a:solidFill>
@@ -4108,7 +4376,7 @@
                 </a:lnSpc>
               </a:pPr>
               <a:r>
-                <a:rPr lang="en-US" sz="2000" b="1" i="1" dirty="0" smtClean="0">
+                <a:rPr lang="en-US" sz="2000" b="1" i="1">
                   <a:solidFill>
                     <a:schemeClr val="bg1"/>
                   </a:solidFill>
@@ -4122,7 +4390,7 @@
                   <a:spcPct val="90000"/>
                 </a:lnSpc>
               </a:pPr>
-              <a:endParaRPr lang="en-US" sz="2000" b="1" i="1" dirty="0" smtClean="0">
+              <a:endParaRPr lang="en-US" sz="2000" b="1" i="1">
                 <a:solidFill>
                   <a:schemeClr val="bg1"/>
                 </a:solidFill>
@@ -4135,19 +4403,13 @@
                 </a:lnSpc>
               </a:pPr>
               <a:r>
-                <a:rPr lang="en-US" sz="2000" b="1" i="1" dirty="0" smtClean="0">
+                <a:rPr lang="en-US" sz="2000" b="1" i="1">
                   <a:solidFill>
                     <a:schemeClr val="bg1"/>
                   </a:solidFill>
                 </a:rPr>
                 <a:t>NCI tracking systems</a:t>
               </a:r>
-              <a:endParaRPr lang="en-US" sz="2000" b="1" i="1" dirty="0">
-                <a:solidFill>
-                  <a:schemeClr val="bg1"/>
-                </a:solidFill>
-                <a:latin typeface="Arial" charset="0"/>
-              </a:endParaRPr>
             </a:p>
             <a:p>
               <a:pPr algn="ctr" eaLnBrk="0" hangingPunct="0">
@@ -4156,36 +4418,28 @@
                 </a:lnSpc>
               </a:pPr>
               <a:r>
-                <a:rPr lang="en-US" sz="2000" b="1" i="1" dirty="0">
+                <a:rPr lang="en-US" sz="2000" b="1" i="1">
                   <a:solidFill>
                     <a:schemeClr val="bg1"/>
                   </a:solidFill>
-                  <a:latin typeface="Arial" charset="0"/>
                 </a:rPr>
                 <a:t/>
               </a:r>
               <a:br>
-                <a:rPr lang="en-US" sz="2000" b="1" i="1" dirty="0">
+                <a:rPr lang="en-US" sz="2000" b="1" i="1">
                   <a:solidFill>
                     <a:schemeClr val="bg1"/>
                   </a:solidFill>
-                  <a:latin typeface="Arial" charset="0"/>
                 </a:rPr>
               </a:br>
               <a:r>
-                <a:rPr lang="en-US" sz="2000" b="1" i="1" dirty="0" smtClean="0">
+                <a:rPr lang="en-US" sz="2000" b="1" i="1">
                   <a:solidFill>
                     <a:schemeClr val="bg1"/>
                   </a:solidFill>
                 </a:rPr>
                 <a:t>Industry</a:t>
               </a:r>
-              <a:endParaRPr lang="en-US" sz="2000" b="1" i="1" dirty="0">
-                <a:solidFill>
-                  <a:schemeClr val="bg1"/>
-                </a:solidFill>
-                <a:latin typeface="Arial" charset="0"/>
-              </a:endParaRPr>
             </a:p>
             <a:p>
               <a:pPr algn="ctr" eaLnBrk="0" hangingPunct="0">
@@ -4193,18 +4447,17 @@
                   <a:spcPct val="90000"/>
                 </a:lnSpc>
               </a:pPr>
-              <a:endParaRPr lang="en-US" sz="2000" b="1" i="1" dirty="0">
+              <a:endParaRPr lang="en-US" sz="2000" b="1" i="1">
                 <a:solidFill>
                   <a:schemeClr val="bg1"/>
                 </a:solidFill>
-                <a:latin typeface="Arial" charset="0"/>
               </a:endParaRPr>
             </a:p>
           </p:txBody>
         </p:sp>
         <p:sp>
           <p:nvSpPr>
-            <p:cNvPr id="798731" name="Line 11"/>
+            <p:cNvPr id="18451" name="Line 11"/>
             <p:cNvSpPr>
               <a:spLocks noChangeShapeType="1"/>
             </p:cNvSpPr>
@@ -4228,7 +4481,6 @@
               <a:headEnd/>
               <a:tailEnd/>
             </a:ln>
-            <a:effectLst/>
           </p:spPr>
           <p:txBody>
             <a:bodyPr wrap="none"/>
@@ -4240,7 +4492,7 @@
         </p:sp>
         <p:sp>
           <p:nvSpPr>
-            <p:cNvPr id="798732" name="Line 12"/>
+            <p:cNvPr id="18452" name="Line 12"/>
             <p:cNvSpPr>
               <a:spLocks noChangeShapeType="1"/>
             </p:cNvSpPr>
@@ -4264,7 +4516,6 @@
               <a:headEnd/>
               <a:tailEnd/>
             </a:ln>
-            <a:effectLst/>
           </p:spPr>
           <p:txBody>
             <a:bodyPr wrap="none"/>
@@ -4276,7 +4527,7 @@
         </p:sp>
         <p:sp>
           <p:nvSpPr>
-            <p:cNvPr id="798733" name="Line 13"/>
+            <p:cNvPr id="18453" name="Line 13"/>
             <p:cNvSpPr>
               <a:spLocks noChangeShapeType="1"/>
             </p:cNvSpPr>
@@ -4300,7 +4551,6 @@
               <a:headEnd/>
               <a:tailEnd/>
             </a:ln>
-            <a:effectLst/>
           </p:spPr>
           <p:txBody>
             <a:bodyPr wrap="none"/>
@@ -4313,7 +4563,7 @@
       </p:grpSp>
       <p:grpSp>
         <p:nvGrpSpPr>
-          <p:cNvPr id="6" name="Group 16"/>
+          <p:cNvPr id="18434" name="Group 16"/>
           <p:cNvGrpSpPr>
             <a:grpSpLocks/>
           </p:cNvGrpSpPr>
@@ -4329,7 +4579,7 @@
         </p:grpSpPr>
         <p:sp>
           <p:nvSpPr>
-            <p:cNvPr id="798737" name="Oval 17"/>
+            <p:cNvPr id="18447" name="Oval 17"/>
             <p:cNvSpPr>
               <a:spLocks noChangeArrowheads="1"/>
             </p:cNvSpPr>
@@ -4346,21 +4596,13 @@
             <a:gradFill rotWithShape="0">
               <a:gsLst>
                 <a:gs pos="0">
-                  <a:srgbClr val="F00078">
-                    <a:gamma/>
-                    <a:shade val="72549"/>
-                    <a:invGamma/>
-                  </a:srgbClr>
+                  <a:srgbClr val="AE0057"/>
                 </a:gs>
                 <a:gs pos="50000">
                   <a:srgbClr val="F00078"/>
                 </a:gs>
                 <a:gs pos="100000">
-                  <a:srgbClr val="F00078">
-                    <a:gamma/>
-                    <a:shade val="72549"/>
-                    <a:invGamma/>
-                  </a:srgbClr>
+                  <a:srgbClr val="AE0057"/>
                 </a:gs>
               </a:gsLst>
               <a:lin ang="0" scaled="1"/>
@@ -4371,7 +4613,6 @@
               <a:headEnd/>
               <a:tailEnd/>
             </a:ln>
-            <a:effectLst/>
           </p:spPr>
           <p:txBody>
             <a:bodyPr wrap="none" anchor="ctr"/>
@@ -4383,7 +4624,7 @@
         </p:sp>
         <p:sp>
           <p:nvSpPr>
-            <p:cNvPr id="798738" name="Rectangle 18"/>
+            <p:cNvPr id="18448" name="Rectangle 18"/>
             <p:cNvSpPr>
               <a:spLocks noChangeArrowheads="1"/>
             </p:cNvSpPr>
@@ -4400,21 +4641,13 @@
             <a:gradFill rotWithShape="0">
               <a:gsLst>
                 <a:gs pos="0">
-                  <a:srgbClr val="F00078">
-                    <a:gamma/>
-                    <a:shade val="72549"/>
-                    <a:invGamma/>
-                  </a:srgbClr>
+                  <a:srgbClr val="AE0057"/>
                 </a:gs>
                 <a:gs pos="50000">
                   <a:srgbClr val="F00078"/>
                 </a:gs>
                 <a:gs pos="100000">
-                  <a:srgbClr val="F00078">
-                    <a:gamma/>
-                    <a:shade val="72549"/>
-                    <a:invGamma/>
-                  </a:srgbClr>
+                  <a:srgbClr val="AE0057"/>
                 </a:gs>
               </a:gsLst>
               <a:lin ang="0" scaled="1"/>
@@ -4425,7 +4658,6 @@
               <a:headEnd/>
               <a:tailEnd/>
             </a:ln>
-            <a:effectLst/>
           </p:spPr>
           <p:txBody>
             <a:bodyPr wrap="none" anchor="ctr"/>
@@ -4433,7 +4665,7 @@
             <a:p>
               <a:pPr algn="ctr" eaLnBrk="0" hangingPunct="0"/>
               <a:r>
-                <a:rPr lang="en-US" sz="2000" b="1" i="1" dirty="0" smtClean="0">
+                <a:rPr lang="en-US" sz="2000" b="1" i="1">
                   <a:solidFill>
                     <a:srgbClr val="000000"/>
                   </a:solidFill>
@@ -4444,25 +4676,19 @@
             <a:p>
               <a:pPr algn="ctr" eaLnBrk="0" hangingPunct="0"/>
               <a:r>
-                <a:rPr lang="en-US" sz="2000" b="1" i="1" dirty="0" smtClean="0">
+                <a:rPr lang="en-US" sz="2000" b="1" i="1">
                   <a:solidFill>
                     <a:srgbClr val="000000"/>
                   </a:solidFill>
                 </a:rPr>
                 <a:t>CTMS</a:t>
               </a:r>
-              <a:endParaRPr lang="en-US" sz="2000" b="1" i="1" dirty="0">
-                <a:solidFill>
-                  <a:srgbClr val="000000"/>
-                </a:solidFill>
-                <a:latin typeface="Arial" charset="0"/>
-              </a:endParaRPr>
             </a:p>
           </p:txBody>
         </p:sp>
         <p:sp>
           <p:nvSpPr>
-            <p:cNvPr id="798739" name="Oval 19"/>
+            <p:cNvPr id="18449" name="Oval 19"/>
             <p:cNvSpPr>
               <a:spLocks noChangeArrowheads="1"/>
             </p:cNvSpPr>
@@ -4479,21 +4705,13 @@
             <a:gradFill rotWithShape="0">
               <a:gsLst>
                 <a:gs pos="0">
-                  <a:srgbClr val="F00078">
-                    <a:gamma/>
-                    <a:shade val="72549"/>
-                    <a:invGamma/>
-                  </a:srgbClr>
+                  <a:srgbClr val="AE0057"/>
                 </a:gs>
                 <a:gs pos="50000">
                   <a:srgbClr val="F00078"/>
                 </a:gs>
                 <a:gs pos="100000">
-                  <a:srgbClr val="F00078">
-                    <a:gamma/>
-                    <a:shade val="72549"/>
-                    <a:invGamma/>
-                  </a:srgbClr>
+                  <a:srgbClr val="AE0057"/>
                 </a:gs>
               </a:gsLst>
               <a:lin ang="0" scaled="1"/>
@@ -4506,7 +4724,6 @@
               <a:headEnd/>
               <a:tailEnd/>
             </a:ln>
-            <a:effectLst/>
           </p:spPr>
           <p:txBody>
             <a:bodyPr wrap="none" anchor="ctr"/>
@@ -4536,21 +4753,13 @@
           <a:gradFill rotWithShape="0">
             <a:gsLst>
               <a:gs pos="0">
-                <a:srgbClr val="FFCC00">
-                  <a:gamma/>
-                  <a:shade val="78824"/>
-                  <a:invGamma/>
-                </a:srgbClr>
+                <a:srgbClr val="C9A100"/>
               </a:gs>
               <a:gs pos="50000">
                 <a:srgbClr val="FFCC00"/>
               </a:gs>
               <a:gs pos="100000">
-                <a:srgbClr val="FFCC00">
-                  <a:gamma/>
-                  <a:shade val="78824"/>
-                  <a:invGamma/>
-                </a:srgbClr>
+                <a:srgbClr val="C9A100"/>
               </a:gs>
             </a:gsLst>
             <a:lin ang="5400000" scaled="1"/>
@@ -4563,7 +4772,6 @@
             <a:headEnd/>
             <a:tailEnd/>
           </a:ln>
-          <a:effectLst/>
         </p:spPr>
         <p:txBody>
           <a:bodyPr wrap="none" anchor="ctr"/>
@@ -4571,7 +4779,7 @@
           <a:p>
             <a:pPr algn="ctr" eaLnBrk="0" hangingPunct="0"/>
             <a:r>
-              <a:rPr lang="en-US" sz="2000" b="1" i="1" dirty="0" smtClean="0">
+              <a:rPr lang="en-US" sz="2000" b="1" i="1">
                 <a:solidFill>
                   <a:srgbClr val="000000"/>
                 </a:solidFill>
@@ -4582,7 +4790,7 @@
           <a:p>
             <a:pPr algn="ctr" eaLnBrk="0" hangingPunct="0"/>
             <a:r>
-              <a:rPr lang="en-US" sz="2000" b="1" i="1" dirty="0" smtClean="0">
+              <a:rPr lang="en-US" sz="2000" b="1" i="1">
                 <a:solidFill>
                   <a:srgbClr val="000000"/>
                 </a:solidFill>
@@ -4593,7 +4801,7 @@
           <a:p>
             <a:pPr algn="ctr" eaLnBrk="0" hangingPunct="0"/>
             <a:r>
-              <a:rPr lang="en-US" sz="2000" b="1" i="1" dirty="0" smtClean="0">
+              <a:rPr lang="en-US" sz="2000" b="1" i="1">
                 <a:solidFill>
                   <a:srgbClr val="000000"/>
                 </a:solidFill>
@@ -4603,18 +4811,17 @@
           </a:p>
           <a:p>
             <a:pPr algn="ctr" eaLnBrk="0" hangingPunct="0"/>
-            <a:endParaRPr lang="en-US" sz="1800" b="1" i="1" dirty="0">
+            <a:endParaRPr lang="en-US" b="1" i="1">
               <a:solidFill>
                 <a:srgbClr val="000000"/>
               </a:solidFill>
-              <a:latin typeface="Arial" charset="0"/>
             </a:endParaRPr>
           </a:p>
         </p:txBody>
       </p:sp>
       <p:sp>
         <p:nvSpPr>
-          <p:cNvPr id="798744" name="Line 24"/>
+          <p:cNvPr id="18436" name="Line 24"/>
           <p:cNvSpPr>
             <a:spLocks noChangeShapeType="1"/>
           </p:cNvSpPr>
@@ -4623,7 +4830,7 @@
         <p:spPr bwMode="auto">
           <a:xfrm>
             <a:off x="1981200" y="3962400"/>
-            <a:ext cx="45719" cy="723900"/>
+            <a:ext cx="46038" cy="723900"/>
           </a:xfrm>
           <a:prstGeom prst="line">
             <a:avLst/>
@@ -4638,7 +4845,6 @@
             <a:headEnd/>
             <a:tailEnd type="triangle" w="med" len="med"/>
           </a:ln>
-          <a:effectLst/>
         </p:spPr>
         <p:txBody>
           <a:bodyPr/>
@@ -4650,7 +4856,7 @@
       </p:sp>
       <p:sp>
         <p:nvSpPr>
-          <p:cNvPr id="35" name="Title 34"/>
+          <p:cNvPr id="18437" name="Title 34"/>
           <p:cNvSpPr>
             <a:spLocks noGrp="1"/>
           </p:cNvSpPr>
@@ -4663,25 +4869,17 @@
           <a:bodyPr/>
           <a:lstStyle/>
           <a:p>
-            <a:r>
-              <a:rPr lang="en-US" dirty="0" smtClean="0"/>
-              <a:t>Registration</a:t>
-            </a:r>
-            <a:r>
-              <a:rPr lang="en-US" dirty="0" smtClean="0"/>
-              <a:t> Data flow </a:t>
-            </a:r>
-            <a:r>
-              <a:rPr lang="en-US" dirty="0" smtClean="0"/>
-              <a:t>(Current)</a:t>
-            </a:r>
-            <a:endParaRPr lang="en-US" dirty="0"/>
+            <a:pPr eaLnBrk="1" hangingPunct="1"/>
+            <a:r>
+              <a:rPr lang="en-US" smtClean="0"/>
+              <a:t>Registration Data flow (Current)</a:t>
+            </a:r>
           </a:p>
         </p:txBody>
       </p:sp>
       <p:sp>
         <p:nvSpPr>
-          <p:cNvPr id="33" name="Line 24"/>
+          <p:cNvPr id="18438" name="Line 24"/>
           <p:cNvSpPr>
             <a:spLocks noChangeShapeType="1"/>
           </p:cNvSpPr>
@@ -4689,8 +4887,8 @@
         </p:nvSpPr>
         <p:spPr bwMode="auto">
           <a:xfrm flipV="1">
-            <a:off x="2895600" y="1904998"/>
-            <a:ext cx="3276600" cy="1143001"/>
+            <a:off x="2895600" y="1905000"/>
+            <a:ext cx="3276600" cy="1143000"/>
           </a:xfrm>
           <a:prstGeom prst="line">
             <a:avLst/>
@@ -4705,7 +4903,6 @@
             <a:headEnd/>
             <a:tailEnd type="triangle" w="med" len="med"/>
           </a:ln>
-          <a:effectLst/>
         </p:spPr>
         <p:txBody>
           <a:bodyPr/>
@@ -4717,7 +4914,7 @@
       </p:sp>
       <p:sp>
         <p:nvSpPr>
-          <p:cNvPr id="36" name="Line 24"/>
+          <p:cNvPr id="18439" name="Line 24"/>
           <p:cNvSpPr>
             <a:spLocks noChangeShapeType="1"/>
           </p:cNvSpPr>
@@ -4725,8 +4922,8 @@
         </p:nvSpPr>
         <p:spPr bwMode="auto">
           <a:xfrm flipV="1">
-            <a:off x="2895600" y="2971798"/>
-            <a:ext cx="3200400" cy="381001"/>
+            <a:off x="2895600" y="2971800"/>
+            <a:ext cx="3200400" cy="381000"/>
           </a:xfrm>
           <a:prstGeom prst="line">
             <a:avLst/>
@@ -4741,7 +4938,6 @@
             <a:headEnd/>
             <a:tailEnd type="triangle" w="med" len="med"/>
           </a:ln>
-          <a:effectLst/>
         </p:spPr>
         <p:txBody>
           <a:bodyPr/>
@@ -4753,7 +4949,7 @@
       </p:sp>
       <p:sp>
         <p:nvSpPr>
-          <p:cNvPr id="37" name="Line 24"/>
+          <p:cNvPr id="18440" name="Line 24"/>
           <p:cNvSpPr>
             <a:spLocks noChangeShapeType="1"/>
           </p:cNvSpPr>
@@ -4777,7 +4973,6 @@
             <a:headEnd/>
             <a:tailEnd type="triangle" w="med" len="med"/>
           </a:ln>
-          <a:effectLst/>
         </p:spPr>
         <p:txBody>
           <a:bodyPr/>
@@ -4789,7 +4984,7 @@
       </p:sp>
       <p:sp>
         <p:nvSpPr>
-          <p:cNvPr id="38" name="Line 24"/>
+          <p:cNvPr id="18441" name="Line 24"/>
           <p:cNvSpPr>
             <a:spLocks noChangeShapeType="1"/>
           </p:cNvSpPr>
@@ -4813,7 +5008,6 @@
             <a:headEnd/>
             <a:tailEnd type="triangle" w="med" len="med"/>
           </a:ln>
-          <a:effectLst/>
         </p:spPr>
         <p:txBody>
           <a:bodyPr/>
@@ -4825,36 +5019,39 @@
       </p:sp>
       <p:sp>
         <p:nvSpPr>
-          <p:cNvPr id="45" name="TextBox 44"/>
-          <p:cNvSpPr txBox="1"/>
+          <p:cNvPr id="18442" name="TextBox 44"/>
+          <p:cNvSpPr txBox="1">
+            <a:spLocks noChangeArrowheads="1"/>
+          </p:cNvSpPr>
           <p:nvPr/>
         </p:nvSpPr>
-        <p:spPr>
+        <p:spPr bwMode="auto">
           <a:xfrm>
             <a:off x="2743200" y="1143000"/>
-            <a:ext cx="3200400" cy="584775"/>
+            <a:ext cx="3200400" cy="584200"/>
           </a:xfrm>
           <a:prstGeom prst="rect">
             <a:avLst/>
           </a:prstGeom>
           <a:noFill/>
+          <a:ln w="9525">
+            <a:noFill/>
+            <a:miter lim="800000"/>
+            <a:headEnd/>
+            <a:tailEnd/>
+          </a:ln>
         </p:spPr>
         <p:txBody>
-          <a:bodyPr wrap="square" rtlCol="0">
+          <a:bodyPr>
             <a:spAutoFit/>
           </a:bodyPr>
           <a:lstStyle/>
           <a:p>
             <a:pPr algn="ctr"/>
             <a:r>
-              <a:rPr lang="en-US" sz="1600" dirty="0" smtClean="0"/>
-              <a:t>Manual/and or duplicate </a:t>
-            </a:r>
-            <a:r>
-              <a:rPr lang="en-US" sz="1600" dirty="0" smtClean="0"/>
-              <a:t>entries through different interfaces</a:t>
-            </a:r>
-            <a:endParaRPr lang="en-US" sz="1600" dirty="0"/>
+              <a:rPr lang="en-US" sz="1600"/>
+              <a:t>Manual/and or duplicate entries through different interfaces</a:t>
+            </a:r>
           </a:p>
         </p:txBody>
       </p:sp>
@@ -4926,7 +5123,7 @@
       </p:cxnSp>
       <p:sp>
         <p:nvSpPr>
-          <p:cNvPr id="48" name="Line 24"/>
+          <p:cNvPr id="18445" name="Line 24"/>
           <p:cNvSpPr>
             <a:spLocks noChangeShapeType="1"/>
           </p:cNvSpPr>
@@ -4950,7 +5147,6 @@
             <a:headEnd/>
             <a:tailEnd type="triangle" w="med" len="med"/>
           </a:ln>
-          <a:effectLst/>
         </p:spPr>
         <p:txBody>
           <a:bodyPr/>
@@ -5114,15 +5310,15 @@
         </p:nvGrpSpPr>
         <p:grpSpPr bwMode="auto">
           <a:xfrm>
-            <a:off x="4677371" y="2070641"/>
-            <a:ext cx="4238030" cy="1618088"/>
+            <a:off x="4676775" y="2070100"/>
+            <a:ext cx="4238625" cy="1619250"/>
             <a:chOff x="2913" y="1846"/>
             <a:chExt cx="2034" cy="995"/>
           </a:xfrm>
         </p:grpSpPr>
         <p:grpSp>
           <p:nvGrpSpPr>
-            <p:cNvPr id="3" name="Group 3"/>
+            <p:cNvPr id="20506" name="Group 3"/>
             <p:cNvGrpSpPr>
               <a:grpSpLocks/>
             </p:cNvGrpSpPr>
@@ -5138,41 +5334,33 @@
           </p:grpSpPr>
           <p:sp>
             <p:nvSpPr>
-              <p:cNvPr id="798724" name="AutoShape 4"/>
+              <p:cNvPr id="20512" name="AutoShape 4"/>
               <p:cNvSpPr>
                 <a:spLocks noChangeArrowheads="1"/>
               </p:cNvSpPr>
               <p:nvPr/>
             </p:nvSpPr>
             <p:spPr bwMode="auto">
-              <a:xfrm rot="19641525">
+              <a:xfrm rot="-1958475">
                 <a:off x="2997" y="2129"/>
                 <a:ext cx="768" cy="225"/>
               </a:xfrm>
               <a:prstGeom prst="rightArrow">
                 <a:avLst>
                   <a:gd name="adj1" fmla="val 50000"/>
-                  <a:gd name="adj2" fmla="val 136316"/>
+                  <a:gd name="adj2" fmla="val 136312"/>
                 </a:avLst>
               </a:prstGeom>
               <a:gradFill rotWithShape="0">
                 <a:gsLst>
                   <a:gs pos="0">
-                    <a:srgbClr val="00CC99">
-                      <a:gamma/>
-                      <a:shade val="69804"/>
-                      <a:invGamma/>
-                    </a:srgbClr>
+                    <a:srgbClr val="008E6B"/>
                   </a:gs>
                   <a:gs pos="50000">
                     <a:srgbClr val="00CC99"/>
                   </a:gs>
                   <a:gs pos="100000">
-                    <a:srgbClr val="00CC99">
-                      <a:gamma/>
-                      <a:shade val="69804"/>
-                      <a:invGamma/>
-                    </a:srgbClr>
+                    <a:srgbClr val="008E6B"/>
                   </a:gs>
                 </a:gsLst>
                 <a:lin ang="5400000" scaled="1"/>
@@ -5183,7 +5371,6 @@
                 <a:headEnd/>
                 <a:tailEnd/>
               </a:ln>
-              <a:effectLst/>
             </p:spPr>
             <p:txBody>
               <a:bodyPr wrap="none" anchor="ctr"/>
@@ -5195,41 +5382,33 @@
           </p:sp>
           <p:sp>
             <p:nvSpPr>
-              <p:cNvPr id="798725" name="AutoShape 5"/>
+              <p:cNvPr id="20513" name="AutoShape 5"/>
               <p:cNvSpPr>
                 <a:spLocks noChangeArrowheads="1"/>
               </p:cNvSpPr>
               <p:nvPr/>
             </p:nvSpPr>
             <p:spPr bwMode="auto">
-              <a:xfrm rot="20690796">
+              <a:xfrm rot="-909204">
                 <a:off x="3012" y="2365"/>
                 <a:ext cx="735" cy="160"/>
               </a:xfrm>
               <a:prstGeom prst="rightArrow">
                 <a:avLst>
                   <a:gd name="adj1" fmla="val 50000"/>
-                  <a:gd name="adj2" fmla="val 136316"/>
+                  <a:gd name="adj2" fmla="val 136324"/>
                 </a:avLst>
               </a:prstGeom>
               <a:gradFill rotWithShape="0">
                 <a:gsLst>
                   <a:gs pos="0">
-                    <a:srgbClr val="00CC99">
-                      <a:gamma/>
-                      <a:shade val="69804"/>
-                      <a:invGamma/>
-                    </a:srgbClr>
+                    <a:srgbClr val="008E6B"/>
                   </a:gs>
                   <a:gs pos="50000">
                     <a:srgbClr val="00CC99"/>
                   </a:gs>
                   <a:gs pos="100000">
-                    <a:srgbClr val="00CC99">
-                      <a:gamma/>
-                      <a:shade val="69804"/>
-                      <a:invGamma/>
-                    </a:srgbClr>
+                    <a:srgbClr val="008E6B"/>
                   </a:gs>
                 </a:gsLst>
                 <a:lin ang="5400000" scaled="1"/>
@@ -5240,7 +5419,6 @@
                 <a:headEnd/>
                 <a:tailEnd/>
               </a:ln>
-              <a:effectLst/>
             </p:spPr>
             <p:txBody>
               <a:bodyPr wrap="none" anchor="ctr"/>
@@ -5252,41 +5430,33 @@
           </p:sp>
           <p:sp>
             <p:nvSpPr>
-              <p:cNvPr id="798726" name="AutoShape 6"/>
+              <p:cNvPr id="20514" name="AutoShape 6"/>
               <p:cNvSpPr>
                 <a:spLocks noChangeArrowheads="1"/>
               </p:cNvSpPr>
               <p:nvPr/>
             </p:nvSpPr>
             <p:spPr bwMode="auto">
-              <a:xfrm rot="21593927">
+              <a:xfrm rot="-6073">
                 <a:off x="3043" y="2550"/>
                 <a:ext cx="708" cy="224"/>
               </a:xfrm>
               <a:prstGeom prst="rightArrow">
                 <a:avLst>
                   <a:gd name="adj1" fmla="val 50000"/>
-                  <a:gd name="adj2" fmla="val 136316"/>
+                  <a:gd name="adj2" fmla="val 136320"/>
                 </a:avLst>
               </a:prstGeom>
               <a:gradFill rotWithShape="0">
                 <a:gsLst>
                   <a:gs pos="0">
-                    <a:srgbClr val="00CC99">
-                      <a:gamma/>
-                      <a:shade val="69804"/>
-                      <a:invGamma/>
-                    </a:srgbClr>
+                    <a:srgbClr val="008E6B"/>
                   </a:gs>
                   <a:gs pos="50000">
                     <a:srgbClr val="00CC99"/>
                   </a:gs>
                   <a:gs pos="100000">
-                    <a:srgbClr val="00CC99">
-                      <a:gamma/>
-                      <a:shade val="69804"/>
-                      <a:invGamma/>
-                    </a:srgbClr>
+                    <a:srgbClr val="008E6B"/>
                   </a:gs>
                 </a:gsLst>
                 <a:lin ang="5400000" scaled="1"/>
@@ -5297,7 +5467,6 @@
                 <a:headEnd/>
                 <a:tailEnd/>
               </a:ln>
-              <a:effectLst/>
             </p:spPr>
             <p:txBody>
               <a:bodyPr wrap="none" anchor="ctr"/>
@@ -5309,7 +5478,7 @@
           </p:sp>
           <p:sp>
             <p:nvSpPr>
-              <p:cNvPr id="798728" name="AutoShape 8"/>
+              <p:cNvPr id="20515" name="AutoShape 8"/>
               <p:cNvSpPr>
                 <a:spLocks noChangeArrowheads="1"/>
               </p:cNvSpPr>
@@ -5323,27 +5492,19 @@
               <a:prstGeom prst="rightArrow">
                 <a:avLst>
                   <a:gd name="adj1" fmla="val 50000"/>
-                  <a:gd name="adj2" fmla="val 136316"/>
+                  <a:gd name="adj2" fmla="val 136313"/>
                 </a:avLst>
               </a:prstGeom>
               <a:gradFill rotWithShape="0">
                 <a:gsLst>
                   <a:gs pos="0">
-                    <a:srgbClr val="00CC99">
-                      <a:gamma/>
-                      <a:shade val="69804"/>
-                      <a:invGamma/>
-                    </a:srgbClr>
+                    <a:srgbClr val="008E6B"/>
                   </a:gs>
                   <a:gs pos="50000">
                     <a:srgbClr val="00CC99"/>
                   </a:gs>
                   <a:gs pos="100000">
-                    <a:srgbClr val="00CC99">
-                      <a:gamma/>
-                      <a:shade val="69804"/>
-                      <a:invGamma/>
-                    </a:srgbClr>
+                    <a:srgbClr val="008E6B"/>
                   </a:gs>
                 </a:gsLst>
                 <a:lin ang="5400000" scaled="1"/>
@@ -5354,7 +5515,6 @@
                 <a:headEnd/>
                 <a:tailEnd/>
               </a:ln>
-              <a:effectLst/>
             </p:spPr>
             <p:txBody>
               <a:bodyPr wrap="none" anchor="ctr"/>
@@ -5367,7 +5527,7 @@
         </p:grpSp>
         <p:grpSp>
           <p:nvGrpSpPr>
-            <p:cNvPr id="4" name="Group 9"/>
+            <p:cNvPr id="20507" name="Group 9"/>
             <p:cNvGrpSpPr>
               <a:grpSpLocks/>
             </p:cNvGrpSpPr>
@@ -5383,7 +5543,7 @@
           </p:grpSpPr>
           <p:sp>
             <p:nvSpPr>
-              <p:cNvPr id="798731" name="Line 11"/>
+              <p:cNvPr id="20508" name="Line 11"/>
               <p:cNvSpPr>
                 <a:spLocks noChangeShapeType="1"/>
               </p:cNvSpPr>
@@ -5407,7 +5567,6 @@
                 <a:headEnd/>
                 <a:tailEnd/>
               </a:ln>
-              <a:effectLst/>
             </p:spPr>
             <p:txBody>
               <a:bodyPr wrap="none"/>
@@ -5419,7 +5578,7 @@
           </p:sp>
           <p:sp>
             <p:nvSpPr>
-              <p:cNvPr id="798732" name="Line 12"/>
+              <p:cNvPr id="20509" name="Line 12"/>
               <p:cNvSpPr>
                 <a:spLocks noChangeShapeType="1"/>
               </p:cNvSpPr>
@@ -5443,7 +5602,6 @@
                 <a:headEnd/>
                 <a:tailEnd/>
               </a:ln>
-              <a:effectLst/>
             </p:spPr>
             <p:txBody>
               <a:bodyPr wrap="none"/>
@@ -5455,7 +5613,7 @@
           </p:sp>
           <p:sp>
             <p:nvSpPr>
-              <p:cNvPr id="798733" name="Line 13"/>
+              <p:cNvPr id="20510" name="Line 13"/>
               <p:cNvSpPr>
                 <a:spLocks noChangeShapeType="1"/>
               </p:cNvSpPr>
@@ -5479,7 +5637,6 @@
                 <a:headEnd/>
                 <a:tailEnd/>
               </a:ln>
-              <a:effectLst/>
             </p:spPr>
             <p:txBody>
               <a:bodyPr wrap="none"/>
@@ -5491,7 +5648,7 @@
           </p:sp>
           <p:sp>
             <p:nvSpPr>
-              <p:cNvPr id="798734" name="Line 14"/>
+              <p:cNvPr id="20511" name="Line 14"/>
               <p:cNvSpPr>
                 <a:spLocks noChangeShapeType="1"/>
               </p:cNvSpPr>
@@ -5515,7 +5672,6 @@
                 <a:headEnd/>
                 <a:tailEnd/>
               </a:ln>
-              <a:effectLst/>
             </p:spPr>
             <p:txBody>
               <a:bodyPr wrap="none"/>
@@ -5538,14 +5694,14 @@
         <p:grpSpPr bwMode="auto">
           <a:xfrm>
             <a:off x="4860925" y="3714750"/>
-            <a:ext cx="1751012" cy="2266950"/>
+            <a:ext cx="1751013" cy="2266950"/>
             <a:chOff x="3033" y="2615"/>
             <a:chExt cx="1103" cy="1428"/>
           </a:xfrm>
         </p:grpSpPr>
         <p:grpSp>
           <p:nvGrpSpPr>
-            <p:cNvPr id="6" name="Group 16"/>
+            <p:cNvPr id="20500" name="Group 16"/>
             <p:cNvGrpSpPr>
               <a:grpSpLocks/>
             </p:cNvGrpSpPr>
@@ -5561,7 +5717,7 @@
           </p:grpSpPr>
           <p:sp>
             <p:nvSpPr>
-              <p:cNvPr id="798737" name="Oval 17"/>
+              <p:cNvPr id="20503" name="Oval 17"/>
               <p:cNvSpPr>
                 <a:spLocks noChangeArrowheads="1"/>
               </p:cNvSpPr>
@@ -5578,21 +5734,13 @@
               <a:gradFill rotWithShape="0">
                 <a:gsLst>
                   <a:gs pos="0">
-                    <a:srgbClr val="F00078">
-                      <a:gamma/>
-                      <a:shade val="72549"/>
-                      <a:invGamma/>
-                    </a:srgbClr>
+                    <a:srgbClr val="AE0057"/>
                   </a:gs>
                   <a:gs pos="50000">
                     <a:srgbClr val="F00078"/>
                   </a:gs>
                   <a:gs pos="100000">
-                    <a:srgbClr val="F00078">
-                      <a:gamma/>
-                      <a:shade val="72549"/>
-                      <a:invGamma/>
-                    </a:srgbClr>
+                    <a:srgbClr val="AE0057"/>
                   </a:gs>
                 </a:gsLst>
                 <a:lin ang="0" scaled="1"/>
@@ -5603,7 +5751,6 @@
                 <a:headEnd/>
                 <a:tailEnd/>
               </a:ln>
-              <a:effectLst/>
             </p:spPr>
             <p:txBody>
               <a:bodyPr wrap="none" anchor="ctr"/>
@@ -5615,7 +5762,7 @@
           </p:sp>
           <p:sp>
             <p:nvSpPr>
-              <p:cNvPr id="798738" name="Rectangle 18"/>
+              <p:cNvPr id="20504" name="Rectangle 18"/>
               <p:cNvSpPr>
                 <a:spLocks noChangeArrowheads="1"/>
               </p:cNvSpPr>
@@ -5632,21 +5779,13 @@
               <a:gradFill rotWithShape="0">
                 <a:gsLst>
                   <a:gs pos="0">
-                    <a:srgbClr val="F00078">
-                      <a:gamma/>
-                      <a:shade val="72549"/>
-                      <a:invGamma/>
-                    </a:srgbClr>
+                    <a:srgbClr val="AE0057"/>
                   </a:gs>
                   <a:gs pos="50000">
                     <a:srgbClr val="F00078"/>
                   </a:gs>
                   <a:gs pos="100000">
-                    <a:srgbClr val="F00078">
-                      <a:gamma/>
-                      <a:shade val="72549"/>
-                      <a:invGamma/>
-                    </a:srgbClr>
+                    <a:srgbClr val="AE0057"/>
                   </a:gs>
                 </a:gsLst>
                 <a:lin ang="0" scaled="1"/>
@@ -5657,7 +5796,6 @@
                 <a:headEnd/>
                 <a:tailEnd/>
               </a:ln>
-              <a:effectLst/>
             </p:spPr>
             <p:txBody>
               <a:bodyPr wrap="none" anchor="ctr"/>
@@ -5665,11 +5803,10 @@
               <a:p>
                 <a:pPr algn="ctr" eaLnBrk="0" hangingPunct="0"/>
                 <a:r>
-                  <a:rPr lang="en-US" sz="2000" b="1" i="1" dirty="0" smtClean="0">
+                  <a:rPr lang="en-US" sz="2000" b="1" i="1">
                     <a:solidFill>
                       <a:srgbClr val="000000"/>
                     </a:solidFill>
-                    <a:latin typeface="Arial" charset="0"/>
                   </a:rPr>
                   <a:t>Local</a:t>
                 </a:r>
@@ -5677,25 +5814,19 @@
               <a:p>
                 <a:pPr algn="ctr" eaLnBrk="0" hangingPunct="0"/>
                 <a:r>
-                  <a:rPr lang="en-US" sz="2000" b="1" i="1" dirty="0" smtClean="0">
+                  <a:rPr lang="en-US" sz="2000" b="1" i="1">
                     <a:solidFill>
                       <a:srgbClr val="000000"/>
                     </a:solidFill>
                   </a:rPr>
                   <a:t>CTMS</a:t>
                 </a:r>
-                <a:endParaRPr lang="en-US" sz="2000" b="1" i="1" dirty="0">
-                  <a:solidFill>
-                    <a:srgbClr val="000000"/>
-                  </a:solidFill>
-                  <a:latin typeface="Arial" charset="0"/>
-                </a:endParaRPr>
               </a:p>
             </p:txBody>
           </p:sp>
           <p:sp>
             <p:nvSpPr>
-              <p:cNvPr id="798739" name="Oval 19"/>
+              <p:cNvPr id="20505" name="Oval 19"/>
               <p:cNvSpPr>
                 <a:spLocks noChangeArrowheads="1"/>
               </p:cNvSpPr>
@@ -5712,21 +5843,13 @@
               <a:gradFill rotWithShape="0">
                 <a:gsLst>
                   <a:gs pos="0">
-                    <a:srgbClr val="F00078">
-                      <a:gamma/>
-                      <a:shade val="72549"/>
-                      <a:invGamma/>
-                    </a:srgbClr>
+                    <a:srgbClr val="AE0057"/>
                   </a:gs>
                   <a:gs pos="50000">
                     <a:srgbClr val="F00078"/>
                   </a:gs>
                   <a:gs pos="100000">
-                    <a:srgbClr val="F00078">
-                      <a:gamma/>
-                      <a:shade val="72549"/>
-                      <a:invGamma/>
-                    </a:srgbClr>
+                    <a:srgbClr val="AE0057"/>
                   </a:gs>
                 </a:gsLst>
                 <a:lin ang="0" scaled="1"/>
@@ -5739,7 +5862,6 @@
                 <a:headEnd/>
                 <a:tailEnd/>
               </a:ln>
-              <a:effectLst/>
             </p:spPr>
             <p:txBody>
               <a:bodyPr wrap="none" anchor="ctr"/>
@@ -5752,7 +5874,7 @@
         </p:grpSp>
         <p:sp>
           <p:nvSpPr>
-            <p:cNvPr id="798740" name="AutoShape 20"/>
+            <p:cNvPr id="20501" name="AutoShape 20"/>
             <p:cNvSpPr>
               <a:spLocks noChangeArrowheads="1"/>
             </p:cNvSpPr>
@@ -5772,21 +5894,13 @@
             <a:gradFill rotWithShape="1">
               <a:gsLst>
                 <a:gs pos="0">
-                  <a:srgbClr val="CC99FF">
-                    <a:gamma/>
-                    <a:shade val="46275"/>
-                    <a:invGamma/>
-                  </a:srgbClr>
+                  <a:srgbClr val="5E4776"/>
                 </a:gs>
                 <a:gs pos="50000">
                   <a:srgbClr val="CC99FF"/>
                 </a:gs>
                 <a:gs pos="100000">
-                  <a:srgbClr val="CC99FF">
-                    <a:gamma/>
-                    <a:shade val="46275"/>
-                    <a:invGamma/>
-                  </a:srgbClr>
+                  <a:srgbClr val="5E4776"/>
                 </a:gs>
               </a:gsLst>
               <a:lin ang="5400000" scaled="1"/>
@@ -5797,7 +5911,6 @@
               <a:headEnd/>
               <a:tailEnd/>
             </a:ln>
-            <a:effectLst/>
           </p:spPr>
           <p:txBody>
             <a:bodyPr wrap="none" anchor="ctr"/>
@@ -5809,7 +5922,7 @@
         </p:sp>
         <p:sp>
           <p:nvSpPr>
-            <p:cNvPr id="798741" name="AutoShape 21"/>
+            <p:cNvPr id="20502" name="AutoShape 21"/>
             <p:cNvSpPr>
               <a:spLocks noChangeArrowheads="1"/>
             </p:cNvSpPr>
@@ -5829,21 +5942,13 @@
             <a:gradFill rotWithShape="0">
               <a:gsLst>
                 <a:gs pos="0">
-                  <a:srgbClr val="00CC99">
-                    <a:gamma/>
-                    <a:shade val="69804"/>
-                    <a:invGamma/>
-                  </a:srgbClr>
+                  <a:srgbClr val="008E6B"/>
                 </a:gs>
                 <a:gs pos="50000">
                   <a:srgbClr val="00CC99"/>
                 </a:gs>
                 <a:gs pos="100000">
-                  <a:srgbClr val="00CC99">
-                    <a:gamma/>
-                    <a:shade val="69804"/>
-                    <a:invGamma/>
-                  </a:srgbClr>
+                  <a:srgbClr val="008E6B"/>
                 </a:gs>
               </a:gsLst>
               <a:lin ang="5400000" scaled="1"/>
@@ -5854,7 +5959,6 @@
               <a:headEnd/>
               <a:tailEnd/>
             </a:ln>
-            <a:effectLst/>
           </p:spPr>
           <p:txBody>
             <a:bodyPr wrap="none" anchor="ctr"/>
@@ -5875,8 +5979,8 @@
         </p:nvSpPr>
         <p:spPr bwMode="auto">
           <a:xfrm>
-            <a:off x="1101725" y="2106612"/>
-            <a:ext cx="1754187" cy="1728788"/>
+            <a:off x="1101725" y="2106613"/>
+            <a:ext cx="1754188" cy="1728787"/>
           </a:xfrm>
           <a:prstGeom prst="rect">
             <a:avLst/>
@@ -5884,21 +5988,13 @@
           <a:gradFill rotWithShape="0">
             <a:gsLst>
               <a:gs pos="0">
-                <a:srgbClr val="FFCC00">
-                  <a:gamma/>
-                  <a:shade val="78824"/>
-                  <a:invGamma/>
-                </a:srgbClr>
+                <a:srgbClr val="C9A100"/>
               </a:gs>
               <a:gs pos="50000">
                 <a:srgbClr val="FFCC00"/>
               </a:gs>
               <a:gs pos="100000">
-                <a:srgbClr val="FFCC00">
-                  <a:gamma/>
-                  <a:shade val="78824"/>
-                  <a:invGamma/>
-                </a:srgbClr>
+                <a:srgbClr val="C9A100"/>
               </a:gs>
             </a:gsLst>
             <a:lin ang="5400000" scaled="1"/>
@@ -5911,7 +6007,6 @@
             <a:headEnd/>
             <a:tailEnd/>
           </a:ln>
-          <a:effectLst/>
         </p:spPr>
         <p:txBody>
           <a:bodyPr wrap="none" anchor="ctr"/>
@@ -5919,7 +6014,7 @@
           <a:p>
             <a:pPr algn="ctr" eaLnBrk="0" hangingPunct="0"/>
             <a:r>
-              <a:rPr lang="en-US" sz="2000" b="1" i="1" dirty="0" smtClean="0">
+              <a:rPr lang="en-US" sz="2000" b="1" i="1">
                 <a:solidFill>
                   <a:srgbClr val="000000"/>
                 </a:solidFill>
@@ -5930,7 +6025,7 @@
           <a:p>
             <a:pPr algn="ctr" eaLnBrk="0" hangingPunct="0"/>
             <a:r>
-              <a:rPr lang="en-US" sz="2000" b="1" i="1" dirty="0" smtClean="0">
+              <a:rPr lang="en-US" sz="2000" b="1" i="1">
                 <a:solidFill>
                   <a:srgbClr val="000000"/>
                 </a:solidFill>
@@ -5941,7 +6036,7 @@
           <a:p>
             <a:pPr algn="ctr" eaLnBrk="0" hangingPunct="0"/>
             <a:r>
-              <a:rPr lang="en-US" sz="2000" b="1" i="1" dirty="0" smtClean="0">
+              <a:rPr lang="en-US" sz="2000" b="1" i="1">
                 <a:solidFill>
                   <a:srgbClr val="000000"/>
                 </a:solidFill>
@@ -5969,7 +6064,7 @@
         </p:grpSpPr>
         <p:sp>
           <p:nvSpPr>
-            <p:cNvPr id="798744" name="Line 24"/>
+            <p:cNvPr id="20495" name="Line 24"/>
             <p:cNvSpPr>
               <a:spLocks noChangeShapeType="1"/>
             </p:cNvSpPr>
@@ -5993,7 +6088,6 @@
               <a:headEnd/>
               <a:tailEnd type="triangle" w="med" len="med"/>
             </a:ln>
-            <a:effectLst/>
           </p:spPr>
           <p:txBody>
             <a:bodyPr/>
@@ -6005,7 +6099,7 @@
         </p:sp>
         <p:grpSp>
           <p:nvGrpSpPr>
-            <p:cNvPr id="8" name="Group 25"/>
+            <p:cNvPr id="20496" name="Group 25"/>
             <p:cNvGrpSpPr>
               <a:grpSpLocks/>
             </p:cNvGrpSpPr>
@@ -6021,7 +6115,7 @@
           </p:grpSpPr>
           <p:sp>
             <p:nvSpPr>
-              <p:cNvPr id="798746" name="Oval 26"/>
+              <p:cNvPr id="20497" name="Oval 26"/>
               <p:cNvSpPr>
                 <a:spLocks noChangeArrowheads="1"/>
               </p:cNvSpPr>
@@ -6038,21 +6132,13 @@
               <a:gradFill rotWithShape="0">
                 <a:gsLst>
                   <a:gs pos="0">
-                    <a:srgbClr val="00CC99">
-                      <a:gamma/>
-                      <a:shade val="63529"/>
-                      <a:invGamma/>
-                    </a:srgbClr>
+                    <a:srgbClr val="008261"/>
                   </a:gs>
                   <a:gs pos="50000">
                     <a:srgbClr val="00CC99"/>
                   </a:gs>
                   <a:gs pos="100000">
-                    <a:srgbClr val="00CC99">
-                      <a:gamma/>
-                      <a:shade val="63529"/>
-                      <a:invGamma/>
-                    </a:srgbClr>
+                    <a:srgbClr val="008261"/>
                   </a:gs>
                 </a:gsLst>
                 <a:lin ang="0" scaled="1"/>
@@ -6063,7 +6149,6 @@
                 <a:headEnd/>
                 <a:tailEnd/>
               </a:ln>
-              <a:effectLst/>
             </p:spPr>
             <p:txBody>
               <a:bodyPr wrap="none" anchor="ctr"/>
@@ -6075,7 +6160,7 @@
           </p:sp>
           <p:sp>
             <p:nvSpPr>
-              <p:cNvPr id="798747" name="Rectangle 27"/>
+              <p:cNvPr id="20498" name="Rectangle 27"/>
               <p:cNvSpPr>
                 <a:spLocks noChangeArrowheads="1"/>
               </p:cNvSpPr>
@@ -6092,21 +6177,13 @@
               <a:gradFill rotWithShape="0">
                 <a:gsLst>
                   <a:gs pos="0">
-                    <a:srgbClr val="00CC99">
-                      <a:gamma/>
-                      <a:shade val="69804"/>
-                      <a:invGamma/>
-                    </a:srgbClr>
+                    <a:srgbClr val="008E6B"/>
                   </a:gs>
                   <a:gs pos="50000">
                     <a:srgbClr val="00CC99"/>
                   </a:gs>
                   <a:gs pos="100000">
-                    <a:srgbClr val="00CC99">
-                      <a:gamma/>
-                      <a:shade val="69804"/>
-                      <a:invGamma/>
-                    </a:srgbClr>
+                    <a:srgbClr val="008E6B"/>
                   </a:gs>
                 </a:gsLst>
                 <a:lin ang="0" scaled="1"/>
@@ -6117,7 +6194,6 @@
                 <a:headEnd/>
                 <a:tailEnd/>
               </a:ln>
-              <a:effectLst/>
             </p:spPr>
             <p:txBody>
               <a:bodyPr wrap="none" anchor="ctr"/>
@@ -6125,25 +6201,19 @@
               <a:p>
                 <a:pPr algn="ctr" eaLnBrk="0" hangingPunct="0"/>
                 <a:r>
-                  <a:rPr lang="en-US" sz="2200" b="1" i="1" dirty="0" smtClean="0">
+                  <a:rPr lang="en-US" sz="2200" b="1" i="1">
                     <a:solidFill>
                       <a:srgbClr val="000000"/>
                     </a:solidFill>
                   </a:rPr>
                   <a:t>C3PR</a:t>
                 </a:r>
-                <a:endParaRPr lang="en-US" sz="2200" b="1" i="1" dirty="0">
-                  <a:solidFill>
-                    <a:srgbClr val="000000"/>
-                  </a:solidFill>
-                  <a:latin typeface="Arial" charset="0"/>
-                </a:endParaRPr>
               </a:p>
             </p:txBody>
           </p:sp>
           <p:sp>
             <p:nvSpPr>
-              <p:cNvPr id="798748" name="Oval 28"/>
+              <p:cNvPr id="20499" name="Oval 28"/>
               <p:cNvSpPr>
                 <a:spLocks noChangeArrowheads="1"/>
               </p:cNvSpPr>
@@ -6160,21 +6230,13 @@
               <a:gradFill rotWithShape="0">
                 <a:gsLst>
                   <a:gs pos="0">
-                    <a:srgbClr val="00CC99">
-                      <a:gamma/>
-                      <a:shade val="69804"/>
-                      <a:invGamma/>
-                    </a:srgbClr>
+                    <a:srgbClr val="008E6B"/>
                   </a:gs>
                   <a:gs pos="50000">
                     <a:srgbClr val="00CC99"/>
                   </a:gs>
                   <a:gs pos="100000">
-                    <a:srgbClr val="00CC99">
-                      <a:gamma/>
-                      <a:shade val="69804"/>
-                      <a:invGamma/>
-                    </a:srgbClr>
+                    <a:srgbClr val="008E6B"/>
                   </a:gs>
                 </a:gsLst>
                 <a:lin ang="0" scaled="1"/>
@@ -6187,7 +6249,6 @@
                 <a:headEnd/>
                 <a:tailEnd/>
               </a:ln>
-              <a:effectLst/>
             </p:spPr>
             <p:txBody>
               <a:bodyPr wrap="none" anchor="ctr"/>
@@ -6201,7 +6262,7 @@
       </p:grpSp>
       <p:sp>
         <p:nvSpPr>
-          <p:cNvPr id="35" name="Title 34"/>
+          <p:cNvPr id="20485" name="Title 34"/>
           <p:cNvSpPr>
             <a:spLocks noGrp="1"/>
           </p:cNvSpPr>
@@ -6214,53 +6275,48 @@
           <a:bodyPr/>
           <a:lstStyle/>
           <a:p>
-            <a:r>
-              <a:rPr lang="en-US" dirty="0" smtClean="0"/>
-              <a:t>Simplified </a:t>
-            </a:r>
-            <a:r>
-              <a:rPr lang="en-US" dirty="0" smtClean="0"/>
-              <a:t>data flow </a:t>
-            </a:r>
-            <a:r>
-              <a:rPr lang="en-US" dirty="0" smtClean="0"/>
-              <a:t>in </a:t>
-            </a:r>
-            <a:r>
-              <a:rPr lang="en-US" dirty="0" smtClean="0"/>
-              <a:t>C3PR version 2</a:t>
-            </a:r>
-            <a:endParaRPr lang="en-US" dirty="0"/>
+            <a:pPr eaLnBrk="1" hangingPunct="1"/>
+            <a:r>
+              <a:rPr lang="en-US" smtClean="0"/>
+              <a:t>Simplified data flow in C3PR version 2</a:t>
+            </a:r>
           </a:p>
         </p:txBody>
       </p:sp>
       <p:sp>
         <p:nvSpPr>
-          <p:cNvPr id="37" name="TextBox 36"/>
-          <p:cNvSpPr txBox="1"/>
+          <p:cNvPr id="20486" name="TextBox 36"/>
+          <p:cNvSpPr txBox="1">
+            <a:spLocks noChangeArrowheads="1"/>
+          </p:cNvSpPr>
           <p:nvPr/>
         </p:nvSpPr>
-        <p:spPr>
+        <p:spPr bwMode="auto">
           <a:xfrm>
             <a:off x="4114800" y="1143000"/>
-            <a:ext cx="3005951" cy="369332"/>
+            <a:ext cx="3006725" cy="369888"/>
           </a:xfrm>
           <a:prstGeom prst="rect">
             <a:avLst/>
           </a:prstGeom>
           <a:noFill/>
+          <a:ln w="9525">
+            <a:noFill/>
+            <a:miter lim="800000"/>
+            <a:headEnd/>
+            <a:tailEnd/>
+          </a:ln>
         </p:spPr>
         <p:txBody>
-          <a:bodyPr wrap="none" rtlCol="0">
+          <a:bodyPr wrap="none">
             <a:spAutoFit/>
           </a:bodyPr>
           <a:lstStyle/>
           <a:p>
             <a:r>
-              <a:rPr lang="en-US" dirty="0" smtClean="0"/>
+              <a:rPr lang="en-US"/>
               <a:t>Automatic entry and routing</a:t>
             </a:r>
-            <a:endParaRPr lang="en-US" dirty="0"/>
           </a:p>
         </p:txBody>
       </p:sp>
@@ -6268,14 +6324,14 @@
         <p:nvCxnSpPr>
           <p:cNvPr id="38" name="Straight Arrow Connector 37"/>
           <p:cNvCxnSpPr>
-            <a:stCxn id="37" idx="2"/>
+            <a:stCxn id="20486" idx="2"/>
           </p:cNvCxnSpPr>
           <p:nvPr/>
         </p:nvCxnSpPr>
         <p:spPr>
           <a:xfrm rot="16200000" flipH="1">
-            <a:off x="5470054" y="1660054"/>
-            <a:ext cx="316468" cy="21024"/>
+            <a:off x="5470526" y="1660525"/>
+            <a:ext cx="315912" cy="20637"/>
           </a:xfrm>
           <a:prstGeom prst="straightConnector1">
             <a:avLst/>
@@ -6307,7 +6363,7 @@
         </p:nvCxnSpPr>
         <p:spPr>
           <a:xfrm rot="5400000" flipH="1" flipV="1">
-            <a:off x="2598737" y="3944937"/>
+            <a:off x="2597944" y="3944144"/>
             <a:ext cx="1295400" cy="1588"/>
           </a:xfrm>
           <a:prstGeom prst="straightConnector1">
@@ -6334,37 +6390,44 @@
       </p:cxnSp>
       <p:sp>
         <p:nvSpPr>
-          <p:cNvPr id="43" name="TextBox 42"/>
-          <p:cNvSpPr txBox="1"/>
+          <p:cNvPr id="20489" name="TextBox 42"/>
+          <p:cNvSpPr txBox="1">
+            <a:spLocks noChangeArrowheads="1"/>
+          </p:cNvSpPr>
           <p:nvPr/>
         </p:nvSpPr>
-        <p:spPr>
+        <p:spPr bwMode="auto">
           <a:xfrm>
-            <a:off x="2408237" y="4668837"/>
-            <a:ext cx="1697901" cy="369332"/>
+            <a:off x="2408238" y="4668838"/>
+            <a:ext cx="1698625" cy="369887"/>
           </a:xfrm>
           <a:prstGeom prst="rect">
             <a:avLst/>
           </a:prstGeom>
           <a:noFill/>
+          <a:ln w="9525">
+            <a:noFill/>
+            <a:miter lim="800000"/>
+            <a:headEnd/>
+            <a:tailEnd/>
+          </a:ln>
         </p:spPr>
         <p:txBody>
-          <a:bodyPr wrap="none" rtlCol="0">
+          <a:bodyPr wrap="none">
             <a:spAutoFit/>
           </a:bodyPr>
           <a:lstStyle/>
           <a:p>
             <a:r>
-              <a:rPr lang="en-US" dirty="0" smtClean="0"/>
+              <a:rPr lang="en-US"/>
               <a:t>One time entry</a:t>
             </a:r>
-            <a:endParaRPr lang="en-US" dirty="0"/>
           </a:p>
         </p:txBody>
       </p:sp>
       <p:grpSp>
         <p:nvGrpSpPr>
-          <p:cNvPr id="34" name="Group 9"/>
+          <p:cNvPr id="20490" name="Group 9"/>
           <p:cNvGrpSpPr>
             <a:grpSpLocks/>
           </p:cNvGrpSpPr>
@@ -6372,15 +6435,15 @@
         </p:nvGrpSpPr>
         <p:grpSpPr bwMode="auto">
           <a:xfrm>
-            <a:off x="6172200" y="1676403"/>
-            <a:ext cx="2719392" cy="2438256"/>
+            <a:off x="6172200" y="1676400"/>
+            <a:ext cx="2719388" cy="2438400"/>
             <a:chOff x="4575" y="1838"/>
             <a:chExt cx="1028" cy="1667"/>
           </a:xfrm>
         </p:grpSpPr>
         <p:sp>
           <p:nvSpPr>
-            <p:cNvPr id="36" name="Rectangle 10"/>
+            <p:cNvPr id="20491" name="Rectangle 10"/>
             <p:cNvSpPr>
               <a:spLocks noChangeArrowheads="1"/>
             </p:cNvSpPr>
@@ -6397,11 +6460,7 @@
             <a:gradFill rotWithShape="0">
               <a:gsLst>
                 <a:gs pos="0">
-                  <a:srgbClr val="CC99FF">
-                    <a:gamma/>
-                    <a:shade val="46275"/>
-                    <a:invGamma/>
-                  </a:srgbClr>
+                  <a:srgbClr val="5E4776"/>
                 </a:gs>
                 <a:gs pos="100000">
                   <a:srgbClr val="CC99FF"/>
@@ -6417,7 +6476,6 @@
               <a:headEnd/>
               <a:tailEnd/>
             </a:ln>
-            <a:effectLst/>
           </p:spPr>
           <p:txBody>
             <a:bodyPr wrap="none" anchor="ctr"/>
@@ -6429,7 +6487,7 @@
                 </a:lnSpc>
               </a:pPr>
               <a:r>
-                <a:rPr lang="en-US" sz="2000" b="1" i="1" dirty="0" smtClean="0">
+                <a:rPr lang="en-US" sz="2000" b="1" i="1">
                   <a:solidFill>
                     <a:schemeClr val="bg1"/>
                   </a:solidFill>
@@ -6443,7 +6501,7 @@
                   <a:spcPct val="90000"/>
                 </a:lnSpc>
               </a:pPr>
-              <a:endParaRPr lang="en-US" sz="2000" b="1" i="1" dirty="0" smtClean="0">
+              <a:endParaRPr lang="en-US" sz="2000" b="1" i="1">
                 <a:solidFill>
                   <a:schemeClr val="bg1"/>
                 </a:solidFill>
@@ -6456,7 +6514,7 @@
                 </a:lnSpc>
               </a:pPr>
               <a:r>
-                <a:rPr lang="en-US" sz="2000" b="1" i="1" dirty="0" smtClean="0">
+                <a:rPr lang="en-US" sz="2000" b="1" i="1">
                   <a:solidFill>
                     <a:schemeClr val="bg1"/>
                   </a:solidFill>
@@ -6470,7 +6528,7 @@
                   <a:spcPct val="90000"/>
                 </a:lnSpc>
               </a:pPr>
-              <a:endParaRPr lang="en-US" sz="2000" b="1" i="1" dirty="0" smtClean="0">
+              <a:endParaRPr lang="en-US" sz="2000" b="1" i="1">
                 <a:solidFill>
                   <a:schemeClr val="bg1"/>
                 </a:solidFill>
@@ -6483,19 +6541,13 @@
                 </a:lnSpc>
               </a:pPr>
               <a:r>
-                <a:rPr lang="en-US" sz="2000" b="1" i="1" dirty="0" smtClean="0">
+                <a:rPr lang="en-US" sz="2000" b="1" i="1">
                   <a:solidFill>
                     <a:schemeClr val="bg1"/>
                   </a:solidFill>
                 </a:rPr>
                 <a:t>NCI tracking systems</a:t>
               </a:r>
-              <a:endParaRPr lang="en-US" sz="2000" b="1" i="1" dirty="0">
-                <a:solidFill>
-                  <a:schemeClr val="bg1"/>
-                </a:solidFill>
-                <a:latin typeface="Arial" charset="0"/>
-              </a:endParaRPr>
             </a:p>
             <a:p>
               <a:pPr algn="ctr" eaLnBrk="0" hangingPunct="0">
@@ -6504,36 +6556,28 @@
                 </a:lnSpc>
               </a:pPr>
               <a:r>
-                <a:rPr lang="en-US" sz="2000" b="1" i="1" dirty="0">
+                <a:rPr lang="en-US" sz="2000" b="1" i="1">
                   <a:solidFill>
                     <a:schemeClr val="bg1"/>
                   </a:solidFill>
-                  <a:latin typeface="Arial" charset="0"/>
                 </a:rPr>
                 <a:t/>
               </a:r>
               <a:br>
-                <a:rPr lang="en-US" sz="2000" b="1" i="1" dirty="0">
+                <a:rPr lang="en-US" sz="2000" b="1" i="1">
                   <a:solidFill>
                     <a:schemeClr val="bg1"/>
                   </a:solidFill>
-                  <a:latin typeface="Arial" charset="0"/>
                 </a:rPr>
               </a:br>
               <a:r>
-                <a:rPr lang="en-US" sz="2000" b="1" i="1" dirty="0" smtClean="0">
+                <a:rPr lang="en-US" sz="2000" b="1" i="1">
                   <a:solidFill>
                     <a:schemeClr val="bg1"/>
                   </a:solidFill>
                 </a:rPr>
                 <a:t>Industry</a:t>
               </a:r>
-              <a:endParaRPr lang="en-US" sz="2000" b="1" i="1" dirty="0">
-                <a:solidFill>
-                  <a:schemeClr val="bg1"/>
-                </a:solidFill>
-                <a:latin typeface="Arial" charset="0"/>
-              </a:endParaRPr>
             </a:p>
             <a:p>
               <a:pPr algn="ctr" eaLnBrk="0" hangingPunct="0">
@@ -6541,18 +6585,17 @@
                   <a:spcPct val="90000"/>
                 </a:lnSpc>
               </a:pPr>
-              <a:endParaRPr lang="en-US" sz="2000" b="1" i="1" dirty="0">
+              <a:endParaRPr lang="en-US" sz="2000" b="1" i="1">
                 <a:solidFill>
                   <a:schemeClr val="bg1"/>
                 </a:solidFill>
-                <a:latin typeface="Arial" charset="0"/>
               </a:endParaRPr>
             </a:p>
           </p:txBody>
         </p:sp>
         <p:sp>
           <p:nvSpPr>
-            <p:cNvPr id="39" name="Line 11"/>
+            <p:cNvPr id="20492" name="Line 11"/>
             <p:cNvSpPr>
               <a:spLocks noChangeShapeType="1"/>
             </p:cNvSpPr>
@@ -6576,7 +6619,6 @@
               <a:headEnd/>
               <a:tailEnd/>
             </a:ln>
-            <a:effectLst/>
           </p:spPr>
           <p:txBody>
             <a:bodyPr wrap="none"/>
@@ -6588,7 +6630,7 @@
         </p:sp>
         <p:sp>
           <p:nvSpPr>
-            <p:cNvPr id="40" name="Line 12"/>
+            <p:cNvPr id="20493" name="Line 12"/>
             <p:cNvSpPr>
               <a:spLocks noChangeShapeType="1"/>
             </p:cNvSpPr>
@@ -6612,7 +6654,6 @@
               <a:headEnd/>
               <a:tailEnd/>
             </a:ln>
-            <a:effectLst/>
           </p:spPr>
           <p:txBody>
             <a:bodyPr wrap="none"/>
@@ -6624,7 +6665,7 @@
         </p:sp>
         <p:sp>
           <p:nvSpPr>
-            <p:cNvPr id="41" name="Line 13"/>
+            <p:cNvPr id="20494" name="Line 13"/>
             <p:cNvSpPr>
               <a:spLocks noChangeShapeType="1"/>
             </p:cNvSpPr>
@@ -6648,7 +6689,6 @@
               <a:headEnd/>
               <a:tailEnd/>
             </a:ln>
-            <a:effectLst/>
           </p:spPr>
           <p:txBody>
             <a:bodyPr wrap="none"/>
@@ -6931,7 +6971,7 @@
       </p:grpSpPr>
       <p:sp>
         <p:nvSpPr>
-          <p:cNvPr id="351236" name="Rectangle 4"/>
+          <p:cNvPr id="22529" name="Rectangle 4"/>
           <p:cNvSpPr>
             <a:spLocks noGrp="1" noChangeArrowheads="1"/>
           </p:cNvSpPr>
@@ -6944,8 +6984,9 @@
           <a:bodyPr/>
           <a:lstStyle/>
           <a:p>
-            <a:r>
-              <a:rPr lang="en-US"/>
+            <a:pPr eaLnBrk="1" hangingPunct="1"/>
+            <a:r>
+              <a:rPr lang="en-US" smtClean="0"/>
               <a:t>Tool Installation &amp; Usage Overview</a:t>
             </a:r>
           </a:p>
@@ -6953,7 +6994,7 @@
       </p:sp>
       <p:sp>
         <p:nvSpPr>
-          <p:cNvPr id="351237" name="Rectangle 5"/>
+          <p:cNvPr id="22530" name="Rectangle 5"/>
           <p:cNvSpPr>
             <a:spLocks noGrp="1" noChangeArrowheads="1"/>
           </p:cNvSpPr>
@@ -6966,64 +7007,58 @@
           <a:bodyPr/>
           <a:lstStyle/>
           <a:p>
-            <a:pPr>
+            <a:pPr eaLnBrk="1" hangingPunct="1">
               <a:buFontTx/>
               <a:buNone/>
             </a:pPr>
             <a:r>
-              <a:rPr lang="en-US" sz="2400" dirty="0"/>
+              <a:rPr lang="en-US" sz="2400" smtClean="0"/>
               <a:t>Installation Requirements</a:t>
             </a:r>
             <a:br>
-              <a:rPr lang="en-US" sz="2400" dirty="0"/>
+              <a:rPr lang="en-US" sz="2400" smtClean="0"/>
             </a:br>
-            <a:endParaRPr lang="en-US" sz="2400" dirty="0">
+            <a:endParaRPr lang="en-US" sz="2400" smtClean="0">
               <a:solidFill>
                 <a:srgbClr val="FF0000"/>
               </a:solidFill>
             </a:endParaRPr>
           </a:p>
           <a:p>
-            <a:r>
-              <a:rPr lang="en-US" sz="2000" dirty="0" smtClean="0"/>
+            <a:pPr eaLnBrk="1" hangingPunct="1"/>
+            <a:r>
+              <a:rPr lang="en-US" sz="2000" smtClean="0"/>
               <a:t>Server OS (Linux, Windows Server preferred but not required)</a:t>
             </a:r>
-            <a:endParaRPr lang="en-US" sz="2000" dirty="0">
+            <a:endParaRPr lang="en-US" sz="2000" smtClean="0">
               <a:solidFill>
                 <a:srgbClr val="3333FF"/>
               </a:solidFill>
             </a:endParaRPr>
           </a:p>
           <a:p>
-            <a:r>
-              <a:rPr lang="en-US" sz="2000" dirty="0" err="1" smtClean="0"/>
-              <a:t>Minimual</a:t>
-            </a:r>
-            <a:r>
-              <a:rPr lang="en-US" sz="2000" dirty="0" smtClean="0"/>
-              <a:t> hardware requirements</a:t>
-            </a:r>
-            <a:endParaRPr lang="en-US" sz="2000" dirty="0"/>
-          </a:p>
-          <a:p>
-            <a:r>
-              <a:rPr lang="en-US" sz="2000" dirty="0" smtClean="0"/>
+            <a:pPr eaLnBrk="1" hangingPunct="1"/>
+            <a:r>
+              <a:rPr lang="en-US" sz="2000" smtClean="0"/>
+              <a:t>Minimual hardware requirements</a:t>
+            </a:r>
+          </a:p>
+          <a:p>
+            <a:pPr eaLnBrk="1" hangingPunct="1"/>
+            <a:r>
+              <a:rPr lang="en-US" sz="2000" smtClean="0"/>
               <a:t>Open source network and database components</a:t>
             </a:r>
-            <a:r>
-              <a:rPr lang="en-US" sz="2000" dirty="0"/>
-              <a:t/>
-            </a:r>
             <a:br>
-              <a:rPr lang="en-US" sz="2000" dirty="0"/>
+              <a:rPr lang="en-US" sz="2000" smtClean="0"/>
             </a:br>
-            <a:endParaRPr lang="en-US" sz="2000" dirty="0"/>
+            <a:endParaRPr lang="en-US" sz="2000" smtClean="0"/>
           </a:p>
         </p:txBody>
       </p:sp>
       <p:sp>
         <p:nvSpPr>
-          <p:cNvPr id="351238" name="Rectangle 6"/>
+          <p:cNvPr id="22531" name="Rectangle 6"/>
           <p:cNvSpPr>
             <a:spLocks noGrp="1" noChangeArrowheads="1"/>
           </p:cNvSpPr>
@@ -7041,59 +7076,62 @@
           <a:bodyPr/>
           <a:lstStyle/>
           <a:p>
-            <a:pPr>
+            <a:pPr eaLnBrk="1" hangingPunct="1">
               <a:buFontTx/>
               <a:buNone/>
             </a:pPr>
             <a:r>
-              <a:rPr lang="en-US" sz="2400" dirty="0"/>
+              <a:rPr lang="en-US" sz="2400" smtClean="0"/>
               <a:t>Personnel Requirements</a:t>
             </a:r>
             <a:br>
-              <a:rPr lang="en-US" sz="2400" dirty="0"/>
+              <a:rPr lang="en-US" sz="2400" smtClean="0"/>
             </a:br>
-            <a:endParaRPr lang="en-US" sz="2400" dirty="0"/>
-          </a:p>
-          <a:p>
-            <a:r>
-              <a:rPr lang="en-US" sz="2000" dirty="0" smtClean="0"/>
+            <a:endParaRPr lang="en-US" sz="2400" smtClean="0"/>
+          </a:p>
+          <a:p>
+            <a:pPr eaLnBrk="1" hangingPunct="1"/>
+            <a:r>
+              <a:rPr lang="en-US" sz="2000" smtClean="0"/>
               <a:t>Skill sets required for use concurrent with any clinical trial management system</a:t>
             </a:r>
-            <a:endParaRPr lang="en-US" sz="2000" dirty="0"/>
-          </a:p>
-          <a:p>
-            <a:r>
-              <a:rPr lang="en-US" sz="2000" dirty="0" smtClean="0"/>
+          </a:p>
+          <a:p>
+            <a:pPr eaLnBrk="1" hangingPunct="1"/>
+            <a:r>
+              <a:rPr lang="en-US" sz="2000" smtClean="0"/>
               <a:t>Moderate technical skills required for initial setup and configuration</a:t>
             </a:r>
-            <a:endParaRPr lang="en-US" sz="2000" dirty="0"/>
-          </a:p>
-          <a:p>
-            <a:r>
-              <a:rPr lang="en-US" sz="2000" dirty="0" smtClean="0"/>
+          </a:p>
+          <a:p>
+            <a:pPr eaLnBrk="1" hangingPunct="1"/>
+            <a:r>
+              <a:rPr lang="en-US" sz="2000" smtClean="0"/>
               <a:t>Support available NCICB Applications Support Email: </a:t>
             </a:r>
             <a:r>
-              <a:rPr lang="en-US" sz="2000" u="sng" dirty="0" smtClean="0">
-                <a:hlinkClick r:id="rId2"/>
+              <a:rPr lang="en-US" sz="2000" u="sng" smtClean="0">
+                <a:hlinkClick r:id="rId3"/>
               </a:rPr>
               <a:t>ncicb@pop.nci.nih.gov</a:t>
             </a:r>
-            <a:endParaRPr lang="en-US" sz="2000" dirty="0" smtClean="0"/>
-          </a:p>
-          <a:p>
-            <a:endParaRPr lang="en-US" sz="2000" dirty="0"/>
-          </a:p>
-          <a:p>
-            <a:pPr lvl="1"/>
-            <a:endParaRPr lang="en-US" sz="1800" dirty="0">
+            <a:endParaRPr lang="en-US" sz="2000" smtClean="0"/>
+          </a:p>
+          <a:p>
+            <a:pPr eaLnBrk="1" hangingPunct="1"/>
+            <a:endParaRPr lang="en-US" sz="2000" smtClean="0"/>
+          </a:p>
+          <a:p>
+            <a:pPr lvl="1" eaLnBrk="1" hangingPunct="1"/>
+            <a:endParaRPr lang="en-US" sz="1800" smtClean="0">
               <a:solidFill>
                 <a:srgbClr val="3333FF"/>
               </a:solidFill>
             </a:endParaRPr>
           </a:p>
           <a:p>
-            <a:endParaRPr lang="en-US" sz="2000" dirty="0">
+            <a:pPr eaLnBrk="1" hangingPunct="1"/>
+            <a:endParaRPr lang="en-US" sz="2000" smtClean="0">
               <a:solidFill>
                 <a:srgbClr val="3333FF"/>
               </a:solidFill>
@@ -7128,7 +7166,7 @@
       </p:grpSpPr>
       <p:sp>
         <p:nvSpPr>
-          <p:cNvPr id="354308" name="Rectangle 4"/>
+          <p:cNvPr id="23553" name="Rectangle 4"/>
           <p:cNvSpPr>
             <a:spLocks noGrp="1" noChangeArrowheads="1"/>
           </p:cNvSpPr>
@@ -7141,16 +7179,13 @@
           <a:bodyPr/>
           <a:lstStyle/>
           <a:p>
-            <a:r>
-              <a:rPr lang="en-US" dirty="0"/>
-              <a:t>Releases, Schedule &amp; </a:t>
-            </a:r>
-            <a:r>
-              <a:rPr lang="en-US" dirty="0" smtClean="0"/>
-              <a:t>Contacts (</a:t>
-            </a:r>
-            <a:r>
-              <a:rPr lang="en-US" dirty="0" smtClean="0">
+            <a:pPr eaLnBrk="1" hangingPunct="1"/>
+            <a:r>
+              <a:rPr lang="en-US" smtClean="0"/>
+              <a:t>Releases, Schedule &amp; Contacts (</a:t>
+            </a:r>
+            <a:r>
+              <a:rPr lang="en-US" smtClean="0">
                 <a:solidFill>
                   <a:srgbClr val="FF0000"/>
                 </a:solidFill>
@@ -7158,16 +7193,15 @@
               <a:t>to be filled in at time of final document</a:t>
             </a:r>
             <a:r>
-              <a:rPr lang="en-US" dirty="0" smtClean="0"/>
+              <a:rPr lang="en-US" smtClean="0"/>
               <a:t>)</a:t>
             </a:r>
-            <a:endParaRPr lang="en-US" dirty="0"/>
           </a:p>
         </p:txBody>
       </p:sp>
       <p:sp>
         <p:nvSpPr>
-          <p:cNvPr id="354309" name="Rectangle 5"/>
+          <p:cNvPr id="23554" name="Rectangle 5"/>
           <p:cNvSpPr>
             <a:spLocks noGrp="1" noChangeArrowheads="1"/>
           </p:cNvSpPr>
@@ -7180,7 +7214,7 @@
           <a:bodyPr/>
           <a:lstStyle/>
           <a:p>
-            <a:pPr>
+            <a:pPr eaLnBrk="1" hangingPunct="1">
               <a:spcBef>
                 <a:spcPct val="0"/>
               </a:spcBef>
@@ -7188,46 +7222,46 @@
               <a:buNone/>
             </a:pPr>
             <a:r>
-              <a:rPr lang="en-US" sz="2400" dirty="0"/>
+              <a:rPr lang="en-US" sz="2400" smtClean="0"/>
               <a:t>Release Information</a:t>
             </a:r>
             <a:br>
-              <a:rPr lang="en-US" sz="2400" dirty="0"/>
+              <a:rPr lang="en-US" sz="2400" smtClean="0"/>
             </a:br>
-            <a:endParaRPr lang="en-US" sz="2400" dirty="0"/>
-          </a:p>
-          <a:p>
-            <a:pPr>
+            <a:endParaRPr lang="en-US" sz="2400" smtClean="0"/>
+          </a:p>
+          <a:p>
+            <a:pPr eaLnBrk="1" hangingPunct="1">
               <a:spcBef>
                 <a:spcPct val="0"/>
               </a:spcBef>
             </a:pPr>
             <a:r>
-              <a:rPr lang="en-US" sz="2000" dirty="0"/>
+              <a:rPr lang="en-US" sz="2000" smtClean="0"/>
               <a:t>Most recent release and date</a:t>
             </a:r>
           </a:p>
           <a:p>
-            <a:pPr>
+            <a:pPr eaLnBrk="1" hangingPunct="1">
               <a:spcBef>
                 <a:spcPct val="0"/>
               </a:spcBef>
             </a:pPr>
             <a:r>
-              <a:rPr lang="en-US" sz="2000" dirty="0"/>
+              <a:rPr lang="en-US" sz="2000" smtClean="0"/>
               <a:t>Summary of maturity level</a:t>
             </a:r>
             <a:br>
-              <a:rPr lang="en-US" sz="2000" dirty="0"/>
+              <a:rPr lang="en-US" sz="2000" smtClean="0"/>
             </a:br>
-            <a:endParaRPr lang="en-US" sz="2000" dirty="0">
+            <a:endParaRPr lang="en-US" sz="2000" smtClean="0">
               <a:solidFill>
                 <a:srgbClr val="3333FF"/>
               </a:solidFill>
             </a:endParaRPr>
           </a:p>
           <a:p>
-            <a:pPr>
+            <a:pPr eaLnBrk="1" hangingPunct="1">
               <a:spcBef>
                 <a:spcPct val="0"/>
               </a:spcBef>
@@ -7235,31 +7269,31 @@
               <a:buNone/>
             </a:pPr>
             <a:r>
-              <a:rPr lang="en-US" sz="2400" dirty="0"/>
+              <a:rPr lang="en-US" sz="2400" smtClean="0"/>
               <a:t>Development Schedule</a:t>
             </a:r>
             <a:br>
-              <a:rPr lang="en-US" sz="2400" dirty="0"/>
+              <a:rPr lang="en-US" sz="2400" smtClean="0"/>
             </a:br>
-            <a:endParaRPr lang="en-US" sz="2400" dirty="0"/>
-          </a:p>
-          <a:p>
-            <a:pPr>
+            <a:endParaRPr lang="en-US" sz="2400" smtClean="0"/>
+          </a:p>
+          <a:p>
+            <a:pPr eaLnBrk="1" hangingPunct="1">
               <a:spcBef>
                 <a:spcPct val="0"/>
               </a:spcBef>
             </a:pPr>
             <a:r>
-              <a:rPr lang="en-US" sz="2000" dirty="0"/>
+              <a:rPr lang="en-US" sz="2000" smtClean="0"/>
               <a:t>Future releases, planned enhancements, or modules under development</a:t>
             </a:r>
-            <a:endParaRPr lang="en-US" sz="2400" dirty="0"/>
+            <a:endParaRPr lang="en-US" sz="2400" smtClean="0"/>
           </a:p>
         </p:txBody>
       </p:sp>
       <p:sp>
         <p:nvSpPr>
-          <p:cNvPr id="354310" name="Rectangle 6"/>
+          <p:cNvPr id="23555" name="Rectangle 6"/>
           <p:cNvSpPr>
             <a:spLocks noGrp="1" noChangeArrowheads="1"/>
           </p:cNvSpPr>
@@ -7267,67 +7301,68 @@
             <p:ph type="body" sz="half" idx="2"/>
           </p:nvPr>
         </p:nvSpPr>
-        <p:spPr>
-          <a:noFill/>
-          <a:ln/>
-        </p:spPr>
+        <p:spPr/>
         <p:txBody>
           <a:bodyPr/>
           <a:lstStyle/>
           <a:p>
-            <a:pPr>
+            <a:pPr eaLnBrk="1" hangingPunct="1">
               <a:buFontTx/>
               <a:buNone/>
             </a:pPr>
             <a:r>
-              <a:rPr lang="en-US" sz="2400" dirty="0"/>
+              <a:rPr lang="en-US" sz="2400" smtClean="0"/>
               <a:t>Tool/Resources Location</a:t>
             </a:r>
             <a:br>
-              <a:rPr lang="en-US" sz="2400" dirty="0"/>
+              <a:rPr lang="en-US" sz="2400" smtClean="0"/>
             </a:br>
-            <a:endParaRPr lang="en-US" sz="2400" dirty="0"/>
-          </a:p>
-          <a:p>
-            <a:r>
-              <a:rPr lang="en-US" sz="2000" dirty="0"/>
+            <a:endParaRPr lang="en-US" sz="2400" smtClean="0"/>
+          </a:p>
+          <a:p>
+            <a:pPr eaLnBrk="1" hangingPunct="1"/>
+            <a:r>
+              <a:rPr lang="en-US" sz="2000" smtClean="0"/>
               <a:t>Link to tool/documentation location </a:t>
             </a:r>
           </a:p>
           <a:p>
-            <a:r>
-              <a:rPr lang="en-US" sz="2000" dirty="0"/>
+            <a:pPr eaLnBrk="1" hangingPunct="1"/>
+            <a:r>
+              <a:rPr lang="en-US" sz="2000" smtClean="0"/>
               <a:t>Access information or resources for passwords/logins</a:t>
             </a:r>
-            <a:endParaRPr lang="en-US" sz="2000" dirty="0">
+            <a:endParaRPr lang="en-US" sz="2000" smtClean="0">
               <a:solidFill>
                 <a:srgbClr val="3333FF"/>
               </a:solidFill>
             </a:endParaRPr>
           </a:p>
           <a:p>
-            <a:r>
-              <a:rPr lang="en-US" sz="2000" dirty="0"/>
+            <a:pPr eaLnBrk="1" hangingPunct="1"/>
+            <a:r>
+              <a:rPr lang="en-US" sz="2000" smtClean="0"/>
               <a:t>Links to other information sites, papers, case studies</a:t>
             </a:r>
             <a:br>
-              <a:rPr lang="en-US" sz="2000" dirty="0"/>
+              <a:rPr lang="en-US" sz="2000" smtClean="0"/>
             </a:br>
-            <a:endParaRPr lang="en-US" sz="2000" dirty="0"/>
-          </a:p>
-          <a:p>
-            <a:pPr>
+            <a:endParaRPr lang="en-US" sz="2000" smtClean="0"/>
+          </a:p>
+          <a:p>
+            <a:pPr eaLnBrk="1" hangingPunct="1">
               <a:buFontTx/>
               <a:buNone/>
             </a:pPr>
             <a:r>
-              <a:rPr lang="en-US" sz="2400" dirty="0"/>
+              <a:rPr lang="en-US" sz="2400" smtClean="0"/>
               <a:t>Contact Information</a:t>
             </a:r>
           </a:p>
           <a:p>
-            <a:r>
-              <a:rPr lang="en-US" sz="2000" dirty="0"/>
+            <a:pPr eaLnBrk="1" hangingPunct="1"/>
+            <a:r>
+              <a:rPr lang="en-US" sz="2000" smtClean="0"/>
               <a:t>Contact information for applications support and/or the development team</a:t>
             </a:r>
           </a:p>
